--- a/controls/PyQt5--基本窗口控件(4.1-4.5)_张培良.pptx
+++ b/controls/PyQt5--基本窗口控件(4.1-4.5)_张培良.pptx
@@ -11,14 +11,14 @@
     <p:sldId id="263" r:id="rId5"/>
     <p:sldId id="265" r:id="rId6"/>
     <p:sldId id="268" r:id="rId7"/>
-    <p:sldId id="286" r:id="rId8"/>
-    <p:sldId id="287" r:id="rId9"/>
-    <p:sldId id="288" r:id="rId10"/>
-    <p:sldId id="308" r:id="rId11"/>
-    <p:sldId id="289" r:id="rId12"/>
-    <p:sldId id="290" r:id="rId13"/>
-    <p:sldId id="291" r:id="rId14"/>
-    <p:sldId id="313" r:id="rId15"/>
+    <p:sldId id="315" r:id="rId8"/>
+    <p:sldId id="286" r:id="rId9"/>
+    <p:sldId id="287" r:id="rId10"/>
+    <p:sldId id="288" r:id="rId11"/>
+    <p:sldId id="308" r:id="rId12"/>
+    <p:sldId id="289" r:id="rId13"/>
+    <p:sldId id="290" r:id="rId14"/>
+    <p:sldId id="291" r:id="rId15"/>
     <p:sldId id="302" r:id="rId16"/>
     <p:sldId id="303" r:id="rId17"/>
     <p:sldId id="292" r:id="rId18"/>
@@ -146,6 +146,7 @@
             <p14:sldId id="263"/>
             <p14:sldId id="265"/>
             <p14:sldId id="268"/>
+            <p14:sldId id="315"/>
           </p14:sldIdLst>
         </p14:section>
         <p14:section name="4.2 QWidget" id="{5D83C715-411B-4795-AFC8-508E41D32FBF}">
@@ -157,7 +158,6 @@
             <p14:sldId id="289"/>
             <p14:sldId id="290"/>
             <p14:sldId id="291"/>
-            <p14:sldId id="313"/>
           </p14:sldIdLst>
         </p14:section>
         <p14:section name="4.3 QLabel" id="{7964F8DF-FF56-4A8C-90B3-194C4DC379A9}">
@@ -330,7 +330,7 @@
           <a:p>
             <a:fld id="{5812708C-2602-4C50-90B3-38403DD6A526}" type="datetimeFigureOut">
               <a:rPr lang="zh-CN" altLang="en-US" smtClean="0"/>
-              <a:t>2020/3/16</a:t>
+              <a:t>2020/3/22</a:t>
             </a:fld>
             <a:endParaRPr lang="zh-CN" altLang="en-US"/>
           </a:p>
@@ -500,7 +500,7 @@
           <a:p>
             <a:fld id="{5812708C-2602-4C50-90B3-38403DD6A526}" type="datetimeFigureOut">
               <a:rPr lang="zh-CN" altLang="en-US" smtClean="0"/>
-              <a:t>2020/3/16</a:t>
+              <a:t>2020/3/22</a:t>
             </a:fld>
             <a:endParaRPr lang="zh-CN" altLang="en-US"/>
           </a:p>
@@ -680,7 +680,7 @@
           <a:p>
             <a:fld id="{5812708C-2602-4C50-90B3-38403DD6A526}" type="datetimeFigureOut">
               <a:rPr lang="zh-CN" altLang="en-US" smtClean="0"/>
-              <a:t>2020/3/16</a:t>
+              <a:t>2020/3/22</a:t>
             </a:fld>
             <a:endParaRPr lang="zh-CN" altLang="en-US"/>
           </a:p>
@@ -880,7 +880,7 @@
           <a:p>
             <a:fld id="{5812708C-2602-4C50-90B3-38403DD6A526}" type="datetimeFigureOut">
               <a:rPr lang="zh-CN" altLang="en-US" smtClean="0"/>
-              <a:t>2020/3/16</a:t>
+              <a:t>2020/3/22</a:t>
             </a:fld>
             <a:endParaRPr lang="zh-CN" altLang="en-US"/>
           </a:p>
@@ -1124,7 +1124,7 @@
           <a:p>
             <a:fld id="{5812708C-2602-4C50-90B3-38403DD6A526}" type="datetimeFigureOut">
               <a:rPr lang="zh-CN" altLang="en-US" smtClean="0"/>
-              <a:t>2020/3/16</a:t>
+              <a:t>2020/3/22</a:t>
             </a:fld>
             <a:endParaRPr lang="zh-CN" altLang="en-US"/>
           </a:p>
@@ -1356,7 +1356,7 @@
           <a:p>
             <a:fld id="{5812708C-2602-4C50-90B3-38403DD6A526}" type="datetimeFigureOut">
               <a:rPr lang="zh-CN" altLang="en-US" smtClean="0"/>
-              <a:t>2020/3/16</a:t>
+              <a:t>2020/3/22</a:t>
             </a:fld>
             <a:endParaRPr lang="zh-CN" altLang="en-US"/>
           </a:p>
@@ -1723,7 +1723,7 @@
           <a:p>
             <a:fld id="{5812708C-2602-4C50-90B3-38403DD6A526}" type="datetimeFigureOut">
               <a:rPr lang="zh-CN" altLang="en-US" smtClean="0"/>
-              <a:t>2020/3/16</a:t>
+              <a:t>2020/3/22</a:t>
             </a:fld>
             <a:endParaRPr lang="zh-CN" altLang="en-US"/>
           </a:p>
@@ -1841,7 +1841,7 @@
           <a:p>
             <a:fld id="{5812708C-2602-4C50-90B3-38403DD6A526}" type="datetimeFigureOut">
               <a:rPr lang="zh-CN" altLang="en-US" smtClean="0"/>
-              <a:t>2020/3/16</a:t>
+              <a:t>2020/3/22</a:t>
             </a:fld>
             <a:endParaRPr lang="zh-CN" altLang="en-US"/>
           </a:p>
@@ -1936,7 +1936,7 @@
           <a:p>
             <a:fld id="{5812708C-2602-4C50-90B3-38403DD6A526}" type="datetimeFigureOut">
               <a:rPr lang="zh-CN" altLang="en-US" smtClean="0"/>
-              <a:t>2020/3/16</a:t>
+              <a:t>2020/3/22</a:t>
             </a:fld>
             <a:endParaRPr lang="zh-CN" altLang="en-US"/>
           </a:p>
@@ -2213,7 +2213,7 @@
           <a:p>
             <a:fld id="{5812708C-2602-4C50-90B3-38403DD6A526}" type="datetimeFigureOut">
               <a:rPr lang="zh-CN" altLang="en-US" smtClean="0"/>
-              <a:t>2020/3/16</a:t>
+              <a:t>2020/3/22</a:t>
             </a:fld>
             <a:endParaRPr lang="zh-CN" altLang="en-US"/>
           </a:p>
@@ -2470,7 +2470,7 @@
           <a:p>
             <a:fld id="{5812708C-2602-4C50-90B3-38403DD6A526}" type="datetimeFigureOut">
               <a:rPr lang="zh-CN" altLang="en-US" smtClean="0"/>
-              <a:t>2020/3/16</a:t>
+              <a:t>2020/3/22</a:t>
             </a:fld>
             <a:endParaRPr lang="zh-CN" altLang="en-US"/>
           </a:p>
@@ -2683,7 +2683,7 @@
           <a:p>
             <a:fld id="{5812708C-2602-4C50-90B3-38403DD6A526}" type="datetimeFigureOut">
               <a:rPr lang="zh-CN" altLang="en-US" smtClean="0"/>
-              <a:t>2020/3/16</a:t>
+              <a:t>2020/3/22</a:t>
             </a:fld>
             <a:endParaRPr lang="zh-CN" altLang="en-US"/>
           </a:p>
@@ -3313,6 +3313,674 @@
         <p:spPr>
           <a:xfrm>
             <a:off x="508638" y="1903246"/>
+            <a:ext cx="6127500" cy="3391500"/>
+          </a:xfrm>
+          <a:prstGeom prst="rect">
+            <a:avLst/>
+          </a:prstGeom>
+          <a:noFill/>
+        </p:spPr>
+        <p:txBody>
+          <a:bodyPr wrap="square" lIns="0" rIns="0" rtlCol="0" anchor="t"/>
+          <a:lstStyle/>
+          <a:p>
+            <a:pPr>
+              <a:lnSpc>
+                <a:spcPct val="150000"/>
+              </a:lnSpc>
+            </a:pPr>
+            <a:r>
+              <a:rPr lang="zh-CN" altLang="en-US" dirty="0" smtClean="0">
+                <a:solidFill>
+                  <a:srgbClr val="000000"/>
+                </a:solidFill>
+                <a:sym typeface="Wingdings" panose="05000000000000000000" pitchFamily="2" charset="2"/>
+              </a:rPr>
+              <a:t> </a:t>
+            </a:r>
+            <a:r>
+              <a:rPr lang="zh-CN" altLang="en-US" dirty="0">
+                <a:solidFill>
+                  <a:srgbClr val="000000"/>
+                </a:solidFill>
+                <a:sym typeface="Wingdings" panose="05000000000000000000" pitchFamily="2" charset="2"/>
+              </a:rPr>
+              <a:t>几何</a:t>
+            </a:r>
+            <a:r>
+              <a:rPr lang="zh-CN" altLang="en-US" dirty="0" smtClean="0">
+                <a:solidFill>
+                  <a:srgbClr val="000000"/>
+                </a:solidFill>
+                <a:sym typeface="Wingdings" panose="05000000000000000000" pitchFamily="2" charset="2"/>
+              </a:rPr>
+              <a:t>结构的分类</a:t>
+            </a:r>
+            <a:endParaRPr lang="en-US" dirty="0" smtClean="0">
+              <a:solidFill>
+                <a:srgbClr val="000000"/>
+              </a:solidFill>
+            </a:endParaRPr>
+          </a:p>
+          <a:p>
+            <a:pPr>
+              <a:lnSpc>
+                <a:spcPct val="150000"/>
+              </a:lnSpc>
+            </a:pPr>
+            <a:r>
+              <a:rPr lang="en-US" dirty="0" smtClean="0">
+                <a:solidFill>
+                  <a:srgbClr val="000000"/>
+                </a:solidFill>
+              </a:rPr>
+              <a:t>	</a:t>
+            </a:r>
+            <a:r>
+              <a:rPr lang="zh-CN" altLang="en-US" dirty="0" smtClean="0">
+                <a:solidFill>
+                  <a:srgbClr val="000000"/>
+                </a:solidFill>
+              </a:rPr>
+              <a:t>不含边框的几何结构</a:t>
+            </a:r>
+            <a:endParaRPr lang="en-US" altLang="zh-CN" dirty="0" smtClean="0">
+              <a:solidFill>
+                <a:srgbClr val="000000"/>
+              </a:solidFill>
+            </a:endParaRPr>
+          </a:p>
+          <a:p>
+            <a:pPr>
+              <a:lnSpc>
+                <a:spcPct val="150000"/>
+              </a:lnSpc>
+            </a:pPr>
+            <a:r>
+              <a:rPr lang="en-US" altLang="zh-CN" dirty="0">
+                <a:solidFill>
+                  <a:srgbClr val="000000"/>
+                </a:solidFill>
+              </a:rPr>
+              <a:t>	</a:t>
+            </a:r>
+            <a:r>
+              <a:rPr lang="zh-CN" altLang="en-US" dirty="0">
+                <a:solidFill>
+                  <a:srgbClr val="000000"/>
+                </a:solidFill>
+              </a:rPr>
+              <a:t>含边框的几何</a:t>
+            </a:r>
+            <a:r>
+              <a:rPr lang="zh-CN" altLang="en-US" dirty="0" smtClean="0">
+                <a:solidFill>
+                  <a:srgbClr val="000000"/>
+                </a:solidFill>
+              </a:rPr>
+              <a:t>结构</a:t>
+            </a:r>
+            <a:r>
+              <a:rPr dirty="0">
+                <a:solidFill>
+                  <a:srgbClr val="000000"/>
+                </a:solidFill>
+              </a:rPr>
+              <a:t>
+</a:t>
+            </a:r>
+            <a:r>
+              <a:rPr lang="zh-CN" altLang="en-US" dirty="0">
+                <a:solidFill>
+                  <a:srgbClr val="000000"/>
+                </a:solidFill>
+                <a:sym typeface="Wingdings" panose="05000000000000000000" pitchFamily="2" charset="2"/>
+              </a:rPr>
+              <a:t>  </a:t>
+            </a:r>
+            <a:r>
+              <a:rPr lang="zh-CN" altLang="en-US" dirty="0" smtClean="0">
+                <a:solidFill>
+                  <a:srgbClr val="000000"/>
+                </a:solidFill>
+              </a:rPr>
+              <a:t>窗口设置常用的函数</a:t>
+            </a:r>
+            <a:endParaRPr lang="en-US" altLang="zh-CN" dirty="0" smtClean="0">
+              <a:solidFill>
+                <a:srgbClr val="000000"/>
+              </a:solidFill>
+            </a:endParaRPr>
+          </a:p>
+          <a:p>
+            <a:pPr>
+              <a:lnSpc>
+                <a:spcPct val="150000"/>
+              </a:lnSpc>
+            </a:pPr>
+            <a:r>
+              <a:rPr lang="en-US" altLang="zh-CN" dirty="0" smtClean="0">
+                <a:solidFill>
+                  <a:srgbClr val="000000"/>
+                </a:solidFill>
+              </a:rPr>
+              <a:t>	resize():</a:t>
+            </a:r>
+            <a:r>
+              <a:rPr lang="zh-CN" altLang="en-US" dirty="0" smtClean="0">
+                <a:solidFill>
+                  <a:srgbClr val="000000"/>
+                </a:solidFill>
+              </a:rPr>
+              <a:t>设置用户区的尺寸</a:t>
+            </a:r>
+            <a:endParaRPr lang="en-US" altLang="zh-CN" dirty="0" smtClean="0">
+              <a:solidFill>
+                <a:srgbClr val="000000"/>
+              </a:solidFill>
+            </a:endParaRPr>
+          </a:p>
+          <a:p>
+            <a:pPr>
+              <a:lnSpc>
+                <a:spcPct val="150000"/>
+              </a:lnSpc>
+            </a:pPr>
+            <a:r>
+              <a:rPr lang="en-US" altLang="zh-CN" dirty="0">
+                <a:solidFill>
+                  <a:srgbClr val="000000"/>
+                </a:solidFill>
+              </a:rPr>
+              <a:t>	</a:t>
+            </a:r>
+            <a:r>
+              <a:rPr lang="en-US" altLang="zh-CN" dirty="0" smtClean="0">
+                <a:solidFill>
+                  <a:srgbClr val="000000"/>
+                </a:solidFill>
+              </a:rPr>
+              <a:t>size():</a:t>
+            </a:r>
+            <a:r>
+              <a:rPr lang="zh-CN" altLang="en-US" dirty="0" smtClean="0">
+                <a:solidFill>
+                  <a:srgbClr val="000000"/>
+                </a:solidFill>
+              </a:rPr>
+              <a:t>获的用户区的大小</a:t>
+            </a:r>
+            <a:endParaRPr lang="en-US" altLang="zh-CN" dirty="0" smtClean="0">
+              <a:solidFill>
+                <a:srgbClr val="000000"/>
+              </a:solidFill>
+            </a:endParaRPr>
+          </a:p>
+          <a:p>
+            <a:pPr>
+              <a:lnSpc>
+                <a:spcPct val="150000"/>
+              </a:lnSpc>
+            </a:pPr>
+            <a:r>
+              <a:rPr lang="en-US" altLang="zh-CN" dirty="0">
+                <a:solidFill>
+                  <a:srgbClr val="000000"/>
+                </a:solidFill>
+              </a:rPr>
+              <a:t>	</a:t>
+            </a:r>
+            <a:r>
+              <a:rPr lang="en-US" altLang="zh-CN" dirty="0" smtClean="0">
+                <a:solidFill>
+                  <a:srgbClr val="000000"/>
+                </a:solidFill>
+              </a:rPr>
+              <a:t>move():</a:t>
+            </a:r>
+            <a:r>
+              <a:rPr lang="zh-CN" altLang="en-US" dirty="0" smtClean="0">
+                <a:solidFill>
+                  <a:srgbClr val="000000"/>
+                </a:solidFill>
+              </a:rPr>
+              <a:t>设置窗口的位置</a:t>
+            </a:r>
+            <a:endParaRPr lang="en-US" altLang="zh-CN" dirty="0" smtClean="0">
+              <a:solidFill>
+                <a:srgbClr val="000000"/>
+              </a:solidFill>
+            </a:endParaRPr>
+          </a:p>
+          <a:p>
+            <a:pPr>
+              <a:lnSpc>
+                <a:spcPct val="150000"/>
+              </a:lnSpc>
+            </a:pPr>
+            <a:r>
+              <a:rPr lang="en-US" altLang="zh-CN" dirty="0">
+                <a:solidFill>
+                  <a:srgbClr val="000000"/>
+                </a:solidFill>
+              </a:rPr>
+              <a:t>	</a:t>
+            </a:r>
+            <a:r>
+              <a:rPr lang="en-US" altLang="zh-CN" dirty="0" err="1" smtClean="0">
+                <a:solidFill>
+                  <a:srgbClr val="000000"/>
+                </a:solidFill>
+              </a:rPr>
+              <a:t>setFixedWidth</a:t>
+            </a:r>
+            <a:r>
+              <a:rPr lang="en-US" altLang="zh-CN" dirty="0" smtClean="0">
+                <a:solidFill>
+                  <a:srgbClr val="000000"/>
+                </a:solidFill>
+              </a:rPr>
+              <a:t>():</a:t>
+            </a:r>
+            <a:r>
+              <a:rPr lang="zh-CN" altLang="en-US" dirty="0" smtClean="0">
+                <a:solidFill>
+                  <a:srgbClr val="000000"/>
+                </a:solidFill>
+              </a:rPr>
+              <a:t>设置用户区为固定的宽度</a:t>
+            </a:r>
+            <a:endParaRPr lang="en-US" altLang="zh-CN" dirty="0" smtClean="0">
+              <a:solidFill>
+                <a:srgbClr val="000000"/>
+              </a:solidFill>
+            </a:endParaRPr>
+          </a:p>
+          <a:p>
+            <a:pPr>
+              <a:lnSpc>
+                <a:spcPct val="150000"/>
+              </a:lnSpc>
+            </a:pPr>
+            <a:r>
+              <a:rPr lang="en-US" altLang="zh-CN" dirty="0">
+                <a:solidFill>
+                  <a:srgbClr val="000000"/>
+                </a:solidFill>
+              </a:rPr>
+              <a:t>	</a:t>
+            </a:r>
+            <a:r>
+              <a:rPr lang="en-US" altLang="zh-CN" dirty="0" err="1" smtClean="0">
+                <a:solidFill>
+                  <a:srgbClr val="000000"/>
+                </a:solidFill>
+              </a:rPr>
+              <a:t>setFixedHeight</a:t>
+            </a:r>
+            <a:r>
+              <a:rPr lang="en-US" altLang="zh-CN" dirty="0" smtClean="0">
+                <a:solidFill>
+                  <a:srgbClr val="000000"/>
+                </a:solidFill>
+              </a:rPr>
+              <a:t>():</a:t>
+            </a:r>
+            <a:r>
+              <a:rPr lang="zh-CN" altLang="en-US" dirty="0" smtClean="0">
+                <a:solidFill>
+                  <a:srgbClr val="000000"/>
+                </a:solidFill>
+              </a:rPr>
+              <a:t>设置用户区为固定的长度</a:t>
+            </a:r>
+            <a:endParaRPr lang="en-US" altLang="zh-CN" dirty="0" smtClean="0">
+              <a:solidFill>
+                <a:srgbClr val="000000"/>
+              </a:solidFill>
+            </a:endParaRPr>
+          </a:p>
+          <a:p>
+            <a:pPr>
+              <a:lnSpc>
+                <a:spcPct val="150000"/>
+              </a:lnSpc>
+            </a:pPr>
+            <a:r>
+              <a:rPr lang="en-US" altLang="zh-CN" dirty="0">
+                <a:solidFill>
+                  <a:srgbClr val="000000"/>
+                </a:solidFill>
+              </a:rPr>
+              <a:t>	</a:t>
+            </a:r>
+            <a:r>
+              <a:rPr lang="en-US" altLang="zh-CN" dirty="0" err="1" smtClean="0">
+                <a:solidFill>
+                  <a:srgbClr val="000000"/>
+                </a:solidFill>
+              </a:rPr>
+              <a:t>setFixedSize</a:t>
+            </a:r>
+            <a:r>
+              <a:rPr lang="en-US" altLang="zh-CN" dirty="0" smtClean="0">
+                <a:solidFill>
+                  <a:srgbClr val="000000"/>
+                </a:solidFill>
+              </a:rPr>
+              <a:t>():</a:t>
+            </a:r>
+            <a:r>
+              <a:rPr lang="zh-CN" altLang="en-US" dirty="0" smtClean="0">
+                <a:solidFill>
+                  <a:srgbClr val="000000"/>
+                </a:solidFill>
+              </a:rPr>
+              <a:t>设置用户区为固定的宽度和长度</a:t>
+            </a:r>
+            <a:endParaRPr lang="en-US" altLang="zh-CN" dirty="0">
+              <a:solidFill>
+                <a:srgbClr val="000000"/>
+              </a:solidFill>
+            </a:endParaRPr>
+          </a:p>
+          <a:p>
+            <a:pPr>
+              <a:lnSpc>
+                <a:spcPct val="150000"/>
+              </a:lnSpc>
+            </a:pPr>
+            <a:r>
+              <a:rPr lang="en-US" dirty="0">
+                <a:solidFill>
+                  <a:srgbClr val="000000"/>
+                </a:solidFill>
+              </a:rPr>
+              <a:t>	</a:t>
+            </a:r>
+            <a:r>
+              <a:rPr lang="en-US" dirty="0" err="1" smtClean="0">
+                <a:solidFill>
+                  <a:srgbClr val="000000"/>
+                </a:solidFill>
+              </a:rPr>
+              <a:t>setGeometry</a:t>
+            </a:r>
+            <a:r>
+              <a:rPr lang="en-US" dirty="0" smtClean="0">
+                <a:solidFill>
+                  <a:srgbClr val="000000"/>
+                </a:solidFill>
+              </a:rPr>
+              <a:t>():</a:t>
+            </a:r>
+            <a:r>
+              <a:rPr lang="zh-CN" altLang="en-US" dirty="0" smtClean="0">
+                <a:solidFill>
+                  <a:srgbClr val="000000"/>
+                </a:solidFill>
+              </a:rPr>
+              <a:t>设置用户区的大小和位置</a:t>
+            </a:r>
+            <a:r>
+              <a:rPr dirty="0">
+                <a:solidFill>
+                  <a:srgbClr val="000000"/>
+                </a:solidFill>
+              </a:rPr>
+              <a:t>
+</a:t>
+            </a:r>
+            <a:r>
+              <a:rPr lang="zh-CN" altLang="en-US" dirty="0">
+                <a:solidFill>
+                  <a:srgbClr val="000000"/>
+                </a:solidFill>
+                <a:sym typeface="Wingdings" panose="05000000000000000000" pitchFamily="2" charset="2"/>
+              </a:rPr>
+              <a:t> </a:t>
+            </a:r>
+            <a:r>
+              <a:rPr lang="zh-CN" altLang="en-US" dirty="0" smtClean="0">
+                <a:solidFill>
+                  <a:srgbClr val="000000"/>
+                </a:solidFill>
+                <a:sym typeface="Wingdings" panose="05000000000000000000" pitchFamily="2" charset="2"/>
+              </a:rPr>
+              <a:t> </a:t>
+            </a:r>
+            <a:r>
+              <a:rPr lang="zh-CN" altLang="en-US" dirty="0" smtClean="0">
+                <a:solidFill>
+                  <a:srgbClr val="000000"/>
+                </a:solidFill>
+              </a:rPr>
+              <a:t>案例</a:t>
+            </a:r>
+            <a:r>
+              <a:rPr lang="en-US" altLang="zh-CN" dirty="0" smtClean="0">
+                <a:solidFill>
+                  <a:srgbClr val="000000"/>
+                </a:solidFill>
+              </a:rPr>
+              <a:t>4-4 </a:t>
+            </a:r>
+            <a:r>
+              <a:rPr lang="zh-CN" altLang="en-US" dirty="0" smtClean="0">
+                <a:solidFill>
+                  <a:srgbClr val="000000"/>
+                </a:solidFill>
+              </a:rPr>
+              <a:t>屏幕坐标系统显示</a:t>
+            </a:r>
+            <a:endParaRPr dirty="0">
+              <a:solidFill>
+                <a:srgbClr val="000000"/>
+              </a:solidFill>
+            </a:endParaRPr>
+          </a:p>
+        </p:txBody>
+      </p:sp>
+      <p:sp>
+        <p:nvSpPr>
+          <p:cNvPr id="5" name="Text 377"/>
+          <p:cNvSpPr txBox="1"/>
+          <p:nvPr/>
+        </p:nvSpPr>
+        <p:spPr>
+          <a:xfrm>
+            <a:off x="364800" y="637866"/>
+            <a:ext cx="6127500" cy="598500"/>
+          </a:xfrm>
+          <a:prstGeom prst="rect">
+            <a:avLst/>
+          </a:prstGeom>
+          <a:noFill/>
+        </p:spPr>
+        <p:txBody>
+          <a:bodyPr wrap="square" lIns="0" rIns="0" rtlCol="0" anchor="ctr"/>
+          <a:lstStyle/>
+          <a:p>
+            <a:pPr algn="ctr"/>
+            <a:r>
+              <a:rPr sz="2400" dirty="0" smtClean="0">
+                <a:solidFill>
+                  <a:srgbClr val="000000"/>
+                </a:solidFill>
+              </a:rPr>
+              <a:t>4.</a:t>
+            </a:r>
+            <a:r>
+              <a:rPr lang="en-US" altLang="zh-CN" sz="2400" dirty="0" smtClean="0">
+                <a:solidFill>
+                  <a:srgbClr val="000000"/>
+                </a:solidFill>
+              </a:rPr>
+              <a:t>2</a:t>
+            </a:r>
+            <a:r>
+              <a:rPr sz="2400" dirty="0" smtClean="0">
+                <a:solidFill>
+                  <a:srgbClr val="000000"/>
+                </a:solidFill>
+              </a:rPr>
+              <a:t> </a:t>
+            </a:r>
+            <a:r>
+              <a:rPr sz="2400" dirty="0" err="1" smtClean="0">
+                <a:solidFill>
+                  <a:srgbClr val="000000"/>
+                </a:solidFill>
+              </a:rPr>
+              <a:t>Q</a:t>
+            </a:r>
+            <a:r>
+              <a:rPr lang="en-US" sz="2400" dirty="0" err="1" smtClean="0">
+                <a:solidFill>
+                  <a:srgbClr val="000000"/>
+                </a:solidFill>
+              </a:rPr>
+              <a:t>W</a:t>
+            </a:r>
+            <a:r>
+              <a:rPr lang="en-US" altLang="zh-CN" sz="2400" dirty="0" err="1" smtClean="0">
+                <a:solidFill>
+                  <a:srgbClr val="000000"/>
+                </a:solidFill>
+              </a:rPr>
+              <a:t>idget</a:t>
+            </a:r>
+            <a:endParaRPr sz="2400" dirty="0">
+              <a:solidFill>
+                <a:srgbClr val="000000"/>
+              </a:solidFill>
+            </a:endParaRPr>
+          </a:p>
+        </p:txBody>
+      </p:sp>
+    </p:spTree>
+    <p:extLst>
+      <p:ext uri="{BB962C8B-B14F-4D97-AF65-F5344CB8AC3E}">
+        <p14:creationId xmlns:p14="http://schemas.microsoft.com/office/powerpoint/2010/main" val="3574484853"/>
+      </p:ext>
+    </p:extLst>
+  </p:cSld>
+  <p:clrMapOvr>
+    <a:masterClrMapping/>
+  </p:clrMapOvr>
+</p:sld>
+</file>
+
+<file path=ppt/slides/slide11.xml><?xml version="1.0" encoding="utf-8"?>
+<p:sld xmlns:a="http://schemas.openxmlformats.org/drawingml/2006/main" xmlns:r="http://schemas.openxmlformats.org/officeDocument/2006/relationships" xmlns:p="http://schemas.openxmlformats.org/presentationml/2006/main">
+  <p:cSld>
+    <p:spTree>
+      <p:nvGrpSpPr>
+        <p:cNvPr id="1" name="slide4"/>
+        <p:cNvGrpSpPr/>
+        <p:nvPr/>
+      </p:nvGrpSpPr>
+      <p:grpSpPr>
+        <a:xfrm>
+          <a:off x="0" y="0"/>
+          <a:ext cx="0" cy="0"/>
+          <a:chOff x="0" y="0"/>
+          <a:chExt cx="0" cy="0"/>
+        </a:xfrm>
+      </p:grpSpPr>
+      <p:sp>
+        <p:nvSpPr>
+          <p:cNvPr id="380" name="Text 380"/>
+          <p:cNvSpPr txBox="1"/>
+          <p:nvPr/>
+        </p:nvSpPr>
+        <p:spPr>
+          <a:xfrm>
+            <a:off x="364800" y="1270556"/>
+            <a:ext cx="6127500" cy="598500"/>
+          </a:xfrm>
+          <a:prstGeom prst="rect">
+            <a:avLst/>
+          </a:prstGeom>
+          <a:noFill/>
+        </p:spPr>
+        <p:txBody>
+          <a:bodyPr wrap="square" lIns="0" rIns="0" rtlCol="0" anchor="ctr"/>
+          <a:lstStyle/>
+          <a:p>
+            <a:r>
+              <a:rPr sz="2000" dirty="0" smtClean="0">
+                <a:solidFill>
+                  <a:srgbClr val="000000"/>
+                </a:solidFill>
+              </a:rPr>
+              <a:t>4.</a:t>
+            </a:r>
+            <a:r>
+              <a:rPr lang="en-US" sz="2000" dirty="0" smtClean="0">
+                <a:solidFill>
+                  <a:srgbClr val="000000"/>
+                </a:solidFill>
+              </a:rPr>
+              <a:t>2</a:t>
+            </a:r>
+            <a:r>
+              <a:rPr sz="2000" dirty="0" smtClean="0">
+                <a:solidFill>
+                  <a:srgbClr val="000000"/>
+                </a:solidFill>
+              </a:rPr>
+              <a:t>.</a:t>
+            </a:r>
+            <a:r>
+              <a:rPr lang="en-US" sz="2000" dirty="0" smtClean="0">
+                <a:solidFill>
+                  <a:srgbClr val="000000"/>
+                </a:solidFill>
+              </a:rPr>
+              <a:t>2</a:t>
+            </a:r>
+            <a:r>
+              <a:rPr sz="2000" dirty="0" smtClean="0">
+                <a:solidFill>
+                  <a:srgbClr val="000000"/>
+                </a:solidFill>
+              </a:rPr>
+              <a:t> </a:t>
+            </a:r>
+            <a:r>
+              <a:rPr lang="zh-CN" altLang="en-US" sz="2000" dirty="0" smtClean="0">
+                <a:solidFill>
+                  <a:srgbClr val="000000"/>
+                </a:solidFill>
+              </a:rPr>
+              <a:t>常见</a:t>
+            </a:r>
+            <a:r>
+              <a:rPr lang="zh-CN" altLang="en-US" sz="2000" dirty="0">
+                <a:solidFill>
+                  <a:srgbClr val="000000"/>
+                </a:solidFill>
+              </a:rPr>
+              <a:t>的几何机构</a:t>
+            </a:r>
+            <a:endParaRPr sz="2000" dirty="0">
+              <a:solidFill>
+                <a:srgbClr val="000000"/>
+              </a:solidFill>
+            </a:endParaRPr>
+          </a:p>
+        </p:txBody>
+      </p:sp>
+      <p:sp>
+        <p:nvSpPr>
+          <p:cNvPr id="381" name="Text 381"/>
+          <p:cNvSpPr txBox="1"/>
+          <p:nvPr/>
+        </p:nvSpPr>
+        <p:spPr>
+          <a:xfrm>
+            <a:off x="508638" y="1903246"/>
             <a:ext cx="6349362" cy="3391500"/>
           </a:xfrm>
           <a:prstGeom prst="rect">
@@ -3517,12 +4185,12 @@
               <a:t>	</a:t>
             </a:r>
             <a:r>
-              <a:rPr lang="en-US" altLang="zh-CN" dirty="0" err="1">
-                <a:solidFill>
-                  <a:srgbClr val="000000"/>
-                </a:solidFill>
-              </a:rPr>
-              <a:t>Qwidget</a:t>
+              <a:rPr lang="en-US" altLang="zh-CN" dirty="0" err="1" smtClean="0">
+                <a:solidFill>
+                  <a:srgbClr val="000000"/>
+                </a:solidFill>
+              </a:rPr>
+              <a:t>QWidget</a:t>
             </a:r>
             <a:r>
               <a:rPr lang="zh-CN" altLang="en-US" dirty="0">
@@ -3665,12 +4333,12 @@
               <a:t>	</a:t>
             </a:r>
             <a:r>
-              <a:rPr lang="en-US" altLang="zh-CN" dirty="0" err="1">
-                <a:solidFill>
-                  <a:srgbClr val="000000"/>
-                </a:solidFill>
-              </a:rPr>
-              <a:t>Qwidget</a:t>
+              <a:rPr lang="en-US" altLang="zh-CN" dirty="0" err="1" smtClean="0">
+                <a:solidFill>
+                  <a:srgbClr val="000000"/>
+                </a:solidFill>
+              </a:rPr>
+              <a:t>QWidget</a:t>
             </a:r>
             <a:r>
               <a:rPr lang="zh-CN" altLang="en-US" dirty="0">
@@ -4007,312 +4675,6 @@
 </p:sld>
 </file>
 
-<file path=ppt/slides/slide11.xml><?xml version="1.0" encoding="utf-8"?>
-<p:sld xmlns:a="http://schemas.openxmlformats.org/drawingml/2006/main" xmlns:r="http://schemas.openxmlformats.org/officeDocument/2006/relationships" xmlns:p="http://schemas.openxmlformats.org/presentationml/2006/main">
-  <p:cSld>
-    <p:spTree>
-      <p:nvGrpSpPr>
-        <p:cNvPr id="1" name="slide4"/>
-        <p:cNvGrpSpPr/>
-        <p:nvPr/>
-      </p:nvGrpSpPr>
-      <p:grpSpPr>
-        <a:xfrm>
-          <a:off x="0" y="0"/>
-          <a:ext cx="0" cy="0"/>
-          <a:chOff x="0" y="0"/>
-          <a:chExt cx="0" cy="0"/>
-        </a:xfrm>
-      </p:grpSpPr>
-      <p:sp>
-        <p:nvSpPr>
-          <p:cNvPr id="380" name="Text 380"/>
-          <p:cNvSpPr txBox="1"/>
-          <p:nvPr/>
-        </p:nvSpPr>
-        <p:spPr>
-          <a:xfrm>
-            <a:off x="364800" y="1270556"/>
-            <a:ext cx="6127500" cy="598500"/>
-          </a:xfrm>
-          <a:prstGeom prst="rect">
-            <a:avLst/>
-          </a:prstGeom>
-          <a:noFill/>
-        </p:spPr>
-        <p:txBody>
-          <a:bodyPr wrap="square" lIns="0" rIns="0" rtlCol="0" anchor="ctr"/>
-          <a:lstStyle/>
-          <a:p>
-            <a:pPr>
-              <a:lnSpc>
-                <a:spcPct val="100000"/>
-              </a:lnSpc>
-            </a:pPr>
-            <a:r>
-              <a:rPr sz="2000" dirty="0" smtClean="0">
-                <a:solidFill>
-                  <a:srgbClr val="000000"/>
-                </a:solidFill>
-                <a:latin typeface="Arial"/>
-              </a:rPr>
-              <a:t>4.</a:t>
-            </a:r>
-            <a:r>
-              <a:rPr lang="en-US" sz="2000" dirty="0" smtClean="0">
-                <a:solidFill>
-                  <a:srgbClr val="000000"/>
-                </a:solidFill>
-                <a:latin typeface="Arial"/>
-              </a:rPr>
-              <a:t>2</a:t>
-            </a:r>
-            <a:r>
-              <a:rPr sz="2000" dirty="0" smtClean="0">
-                <a:solidFill>
-                  <a:srgbClr val="000000"/>
-                </a:solidFill>
-                <a:latin typeface="Arial"/>
-              </a:rPr>
-              <a:t>.</a:t>
-            </a:r>
-            <a:r>
-              <a:rPr lang="en-US" sz="2000" dirty="0" smtClean="0">
-                <a:solidFill>
-                  <a:srgbClr val="000000"/>
-                </a:solidFill>
-                <a:latin typeface="Arial"/>
-              </a:rPr>
-              <a:t>3</a:t>
-            </a:r>
-            <a:r>
-              <a:rPr lang="zh-CN" altLang="en-US" sz="2000" dirty="0" smtClean="0">
-                <a:solidFill>
-                  <a:srgbClr val="000000"/>
-                </a:solidFill>
-              </a:rPr>
-              <a:t>创建</a:t>
-            </a:r>
-            <a:r>
-              <a:rPr lang="zh-CN" altLang="en-US" sz="2000" dirty="0">
-                <a:solidFill>
-                  <a:srgbClr val="000000"/>
-                </a:solidFill>
-              </a:rPr>
-              <a:t>第一个</a:t>
-            </a:r>
-            <a:r>
-              <a:rPr lang="en-US" altLang="zh-CN" sz="2000" dirty="0">
-                <a:solidFill>
-                  <a:srgbClr val="000000"/>
-                </a:solidFill>
-              </a:rPr>
-              <a:t>PyQt5</a:t>
-            </a:r>
-            <a:r>
-              <a:rPr lang="zh-CN" altLang="en-US" sz="2000" dirty="0">
-                <a:solidFill>
-                  <a:srgbClr val="000000"/>
-                </a:solidFill>
-              </a:rPr>
-              <a:t>应用</a:t>
-            </a:r>
-            <a:endParaRPr sz="2000" dirty="0">
-              <a:solidFill>
-                <a:srgbClr val="000000"/>
-              </a:solidFill>
-              <a:latin typeface="Arial"/>
-            </a:endParaRPr>
-          </a:p>
-        </p:txBody>
-      </p:sp>
-      <p:sp>
-        <p:nvSpPr>
-          <p:cNvPr id="381" name="Text 381"/>
-          <p:cNvSpPr txBox="1"/>
-          <p:nvPr/>
-        </p:nvSpPr>
-        <p:spPr>
-          <a:xfrm>
-            <a:off x="508638" y="1903246"/>
-            <a:ext cx="6127500" cy="3391500"/>
-          </a:xfrm>
-          <a:prstGeom prst="rect">
-            <a:avLst/>
-          </a:prstGeom>
-          <a:noFill/>
-        </p:spPr>
-        <p:txBody>
-          <a:bodyPr wrap="square" lIns="0" rIns="0" rtlCol="0" anchor="t"/>
-          <a:lstStyle/>
-          <a:p>
-            <a:pPr>
-              <a:lnSpc>
-                <a:spcPct val="150000"/>
-              </a:lnSpc>
-            </a:pPr>
-            <a:r>
-              <a:rPr lang="zh-CN" altLang="en-US" dirty="0" smtClean="0">
-                <a:solidFill>
-                  <a:srgbClr val="000000"/>
-                </a:solidFill>
-                <a:latin typeface="Arial"/>
-                <a:sym typeface="Wingdings" panose="05000000000000000000" pitchFamily="2" charset="2"/>
-              </a:rPr>
-              <a:t> 案例</a:t>
-            </a:r>
-            <a:r>
-              <a:rPr lang="en-US" altLang="zh-CN" dirty="0" smtClean="0">
-                <a:solidFill>
-                  <a:srgbClr val="000000"/>
-                </a:solidFill>
-                <a:latin typeface="Arial"/>
-                <a:sym typeface="Wingdings" panose="05000000000000000000" pitchFamily="2" charset="2"/>
-              </a:rPr>
-              <a:t>4-5 </a:t>
-            </a:r>
-            <a:r>
-              <a:rPr lang="zh-CN" altLang="en-US" dirty="0" smtClean="0">
-                <a:solidFill>
-                  <a:srgbClr val="000000"/>
-                </a:solidFill>
-                <a:latin typeface="Arial"/>
-                <a:sym typeface="Wingdings" panose="05000000000000000000" pitchFamily="2" charset="2"/>
-              </a:rPr>
-              <a:t>建立一个主窗口</a:t>
-            </a:r>
-            <a:endParaRPr lang="en-US" dirty="0" smtClean="0">
-              <a:solidFill>
-                <a:srgbClr val="000000"/>
-              </a:solidFill>
-              <a:latin typeface="Arial"/>
-            </a:endParaRPr>
-          </a:p>
-          <a:p>
-            <a:pPr>
-              <a:lnSpc>
-                <a:spcPct val="150000"/>
-              </a:lnSpc>
-            </a:pPr>
-            <a:r>
-              <a:rPr lang="en-US" dirty="0" smtClean="0">
-                <a:solidFill>
-                  <a:srgbClr val="000000"/>
-                </a:solidFill>
-                <a:latin typeface="Arial"/>
-              </a:rPr>
-              <a:t>	</a:t>
-            </a:r>
-            <a:endParaRPr dirty="0">
-              <a:solidFill>
-                <a:srgbClr val="000000"/>
-              </a:solidFill>
-              <a:latin typeface="Arial"/>
-            </a:endParaRPr>
-          </a:p>
-        </p:txBody>
-      </p:sp>
-      <p:sp>
-        <p:nvSpPr>
-          <p:cNvPr id="5" name="Text 377"/>
-          <p:cNvSpPr txBox="1"/>
-          <p:nvPr/>
-        </p:nvSpPr>
-        <p:spPr>
-          <a:xfrm>
-            <a:off x="364800" y="637866"/>
-            <a:ext cx="6127500" cy="598500"/>
-          </a:xfrm>
-          <a:prstGeom prst="rect">
-            <a:avLst/>
-          </a:prstGeom>
-          <a:noFill/>
-        </p:spPr>
-        <p:txBody>
-          <a:bodyPr wrap="square" lIns="0" rIns="0" rtlCol="0" anchor="ctr"/>
-          <a:lstStyle/>
-          <a:p>
-            <a:pPr algn="ctr">
-              <a:lnSpc>
-                <a:spcPct val="100000"/>
-              </a:lnSpc>
-            </a:pPr>
-            <a:r>
-              <a:rPr sz="2400" dirty="0" smtClean="0">
-                <a:solidFill>
-                  <a:srgbClr val="000000"/>
-                </a:solidFill>
-                <a:latin typeface="Arial"/>
-              </a:rPr>
-              <a:t>4.</a:t>
-            </a:r>
-            <a:r>
-              <a:rPr lang="en-US" altLang="zh-CN" sz="2400" dirty="0" smtClean="0">
-                <a:solidFill>
-                  <a:srgbClr val="000000"/>
-                </a:solidFill>
-                <a:latin typeface="Arial"/>
-              </a:rPr>
-              <a:t>2</a:t>
-            </a:r>
-            <a:r>
-              <a:rPr sz="2400" dirty="0" smtClean="0">
-                <a:solidFill>
-                  <a:srgbClr val="000000"/>
-                </a:solidFill>
-                <a:latin typeface="Arial"/>
-              </a:rPr>
-              <a:t> </a:t>
-            </a:r>
-            <a:r>
-              <a:rPr sz="2400" dirty="0" err="1" smtClean="0">
-                <a:solidFill>
-                  <a:srgbClr val="000000"/>
-                </a:solidFill>
-                <a:latin typeface="Arial"/>
-              </a:rPr>
-              <a:t>Q</a:t>
-            </a:r>
-            <a:r>
-              <a:rPr lang="en-US" sz="2400" dirty="0" err="1" smtClean="0">
-                <a:solidFill>
-                  <a:srgbClr val="000000"/>
-                </a:solidFill>
-                <a:latin typeface="Arial"/>
-              </a:rPr>
-              <a:t>W</a:t>
-            </a:r>
-            <a:r>
-              <a:rPr lang="en-US" altLang="zh-CN" sz="2400" dirty="0" err="1" smtClean="0">
-                <a:solidFill>
-                  <a:srgbClr val="000000"/>
-                </a:solidFill>
-                <a:latin typeface="Arial"/>
-              </a:rPr>
-              <a:t>idget</a:t>
-            </a:r>
-            <a:endParaRPr sz="2400" dirty="0">
-              <a:solidFill>
-                <a:srgbClr val="000000"/>
-              </a:solidFill>
-              <a:latin typeface="Arial"/>
-            </a:endParaRPr>
-          </a:p>
-        </p:txBody>
-      </p:sp>
-    </p:spTree>
-    <p:extLst>
-      <p:ext uri="{BB962C8B-B14F-4D97-AF65-F5344CB8AC3E}">
-        <p14:creationId xmlns:p14="http://schemas.microsoft.com/office/powerpoint/2010/main" val="1910444715"/>
-      </p:ext>
-    </p:extLst>
-  </p:cSld>
-  <p:clrMapOvr>
-    <a:masterClrMapping/>
-  </p:clrMapOvr>
-</p:sld>
-</file>
-
 <file path=ppt/slides/slide12.xml><?xml version="1.0" encoding="utf-8"?>
 <p:sld xmlns:a="http://schemas.openxmlformats.org/drawingml/2006/main" xmlns:r="http://schemas.openxmlformats.org/officeDocument/2006/relationships" xmlns:p="http://schemas.openxmlformats.org/presentationml/2006/main">
   <p:cSld>
@@ -4389,7 +4751,7 @@
                 </a:solidFill>
                 <a:latin typeface="Arial"/>
               </a:rPr>
-              <a:t>4</a:t>
+              <a:t>3</a:t>
             </a:r>
             <a:r>
               <a:rPr lang="zh-CN" altLang="en-US" sz="2000" dirty="0" smtClean="0">
@@ -4397,7 +4759,7 @@
                   <a:srgbClr val="000000"/>
                 </a:solidFill>
               </a:rPr>
-              <a:t>为</a:t>
+              <a:t>创建</a:t>
             </a:r>
             <a:r>
               <a:rPr lang="zh-CN" altLang="en-US" sz="2000" dirty="0">
@@ -4405,7 +4767,23 @@
                   <a:srgbClr val="000000"/>
                 </a:solidFill>
               </a:rPr>
-              <a:t>应用设置程序图标</a:t>
+              <a:t>第一个</a:t>
+            </a:r>
+            <a:r>
+              <a:rPr lang="en-US" altLang="zh-CN" sz="2000" dirty="0">
+                <a:solidFill>
+                  <a:srgbClr val="000000"/>
+                </a:solidFill>
+              </a:rPr>
+              <a:t>PyQt5</a:t>
+            </a:r>
+            <a:r>
+              <a:rPr lang="zh-CN" altLang="en-US" sz="2000" dirty="0">
+                <a:solidFill>
+                  <a:srgbClr val="000000"/>
+                </a:solidFill>
+              </a:rPr>
+              <a:t>应用</a:t>
             </a:r>
             <a:endParaRPr sz="2000" dirty="0">
               <a:solidFill>
@@ -4425,7 +4803,7 @@
         <p:spPr>
           <a:xfrm>
             <a:off x="508638" y="1903246"/>
-            <a:ext cx="6128468" cy="3391500"/>
+            <a:ext cx="6127500" cy="3391500"/>
           </a:xfrm>
           <a:prstGeom prst="rect">
             <a:avLst/>
@@ -4459,7 +4837,7 @@
                 <a:latin typeface="Arial"/>
                 <a:sym typeface="Wingdings" panose="05000000000000000000" pitchFamily="2" charset="2"/>
               </a:rPr>
-              <a:t>4-6 </a:t>
+              <a:t>4-5 </a:t>
             </a:r>
             <a:r>
               <a:rPr lang="zh-CN" altLang="en-US" dirty="0" smtClean="0">
@@ -4469,7 +4847,7 @@
                 <a:latin typeface="Arial"/>
                 <a:sym typeface="Wingdings" panose="05000000000000000000" pitchFamily="2" charset="2"/>
               </a:rPr>
-              <a:t>设置程序图标</a:t>
+              <a:t>建立一个主窗口</a:t>
             </a:r>
             <a:endParaRPr lang="en-US" dirty="0" smtClean="0">
               <a:solidFill>
@@ -4492,452 +4870,6 @@
                 <a:latin typeface="Arial"/>
               </a:rPr>
               <a:t>	</a:t>
-            </a:r>
-            <a:r>
-              <a:rPr lang="zh-CN" altLang="en-US" dirty="0" smtClean="0">
-                <a:solidFill>
-                  <a:srgbClr val="000000"/>
-                </a:solidFill>
-                <a:latin typeface="Arial"/>
-              </a:rPr>
-              <a:t>使用</a:t>
-            </a:r>
-            <a:r>
-              <a:rPr lang="en-US" altLang="zh-CN" dirty="0" err="1" smtClean="0">
-                <a:solidFill>
-                  <a:srgbClr val="000000"/>
-                </a:solidFill>
-              </a:rPr>
-              <a:t>setWindowIcon</a:t>
-            </a:r>
-            <a:r>
-              <a:rPr lang="en-US" altLang="zh-CN" dirty="0" smtClean="0">
-                <a:solidFill>
-                  <a:srgbClr val="000000"/>
-                </a:solidFill>
-              </a:rPr>
-              <a:t>()</a:t>
-            </a:r>
-            <a:r>
-              <a:rPr lang="zh-CN" altLang="en-US" dirty="0" smtClean="0">
-                <a:solidFill>
-                  <a:srgbClr val="000000"/>
-                </a:solidFill>
-              </a:rPr>
-              <a:t>方法来设置程序图标</a:t>
-            </a:r>
-            <a:endParaRPr lang="en-US" altLang="zh-CN" dirty="0" smtClean="0">
-              <a:solidFill>
-                <a:srgbClr val="000000"/>
-              </a:solidFill>
-              <a:latin typeface="Arial"/>
-            </a:endParaRPr>
-          </a:p>
-          <a:p>
-            <a:pPr>
-              <a:lnSpc>
-                <a:spcPct val="150000"/>
-              </a:lnSpc>
-            </a:pPr>
-            <a:r>
-              <a:rPr lang="en-US" altLang="zh-CN" dirty="0" smtClean="0">
-                <a:solidFill>
-                  <a:srgbClr val="000000"/>
-                </a:solidFill>
-                <a:latin typeface="Arial"/>
-              </a:rPr>
-              <a:t>	</a:t>
-            </a:r>
-            <a:r>
-              <a:rPr lang="zh-CN" altLang="en-US" dirty="0" smtClean="0">
-                <a:solidFill>
-                  <a:srgbClr val="000000"/>
-                </a:solidFill>
-                <a:latin typeface="Arial"/>
-              </a:rPr>
-              <a:t>需要一个</a:t>
-            </a:r>
-            <a:r>
-              <a:rPr lang="en-US" altLang="zh-CN" dirty="0" err="1" smtClean="0">
-                <a:solidFill>
-                  <a:srgbClr val="000000"/>
-                </a:solidFill>
-              </a:rPr>
-              <a:t>QIcon</a:t>
-            </a:r>
-            <a:r>
-              <a:rPr lang="zh-CN" altLang="en-US" dirty="0" smtClean="0">
-                <a:solidFill>
-                  <a:srgbClr val="000000"/>
-                </a:solidFill>
-              </a:rPr>
-              <a:t>类型的参数</a:t>
-            </a:r>
-            <a:endParaRPr lang="en-US" altLang="zh-CN" dirty="0" smtClean="0">
-              <a:solidFill>
-                <a:srgbClr val="000000"/>
-              </a:solidFill>
-            </a:endParaRPr>
-          </a:p>
-          <a:p>
-            <a:pPr>
-              <a:lnSpc>
-                <a:spcPct val="150000"/>
-              </a:lnSpc>
-            </a:pPr>
-            <a:r>
-              <a:rPr lang="en-US" dirty="0">
-                <a:solidFill>
-                  <a:srgbClr val="000000"/>
-                </a:solidFill>
-                <a:latin typeface="Arial"/>
-              </a:rPr>
-              <a:t>	</a:t>
-            </a:r>
-            <a:r>
-              <a:rPr lang="en-US" dirty="0" err="1" smtClean="0">
-                <a:solidFill>
-                  <a:srgbClr val="000000"/>
-                </a:solidFill>
-              </a:rPr>
-              <a:t>QIcon</a:t>
-            </a:r>
-            <a:r>
-              <a:rPr lang="zh-CN" altLang="en-US" dirty="0" smtClean="0">
-                <a:solidFill>
-                  <a:srgbClr val="000000"/>
-                </a:solidFill>
-              </a:rPr>
-              <a:t>类型存在</a:t>
-            </a:r>
-            <a:r>
-              <a:rPr lang="en-US" altLang="zh-CN" dirty="0" err="1" smtClean="0">
-                <a:solidFill>
-                  <a:srgbClr val="000000"/>
-                </a:solidFill>
-              </a:rPr>
-              <a:t>QtGui</a:t>
-            </a:r>
-            <a:r>
-              <a:rPr lang="zh-CN" altLang="en-US" dirty="0" smtClean="0">
-                <a:solidFill>
-                  <a:srgbClr val="000000"/>
-                </a:solidFill>
-              </a:rPr>
-              <a:t>中</a:t>
-            </a:r>
-            <a:r>
-              <a:rPr dirty="0">
-                <a:solidFill>
-                  <a:srgbClr val="000000"/>
-                </a:solidFill>
-                <a:latin typeface="Arial"/>
-              </a:rPr>
-              <a:t>
-</a:t>
-            </a:r>
-            <a:r>
-              <a:rPr lang="zh-CN" altLang="en-US" dirty="0">
-                <a:solidFill>
-                  <a:srgbClr val="000000"/>
-                </a:solidFill>
-                <a:latin typeface="Arial"/>
-                <a:sym typeface="Wingdings" panose="05000000000000000000" pitchFamily="2" charset="2"/>
-              </a:rPr>
-              <a:t>  </a:t>
-            </a:r>
-            <a:r>
-              <a:rPr lang="zh-CN" altLang="en-US" dirty="0" smtClean="0">
-                <a:solidFill>
-                  <a:srgbClr val="000000"/>
-                </a:solidFill>
-                <a:latin typeface="Arial"/>
-              </a:rPr>
-              <a:t>几点注意</a:t>
-            </a:r>
-            <a:endParaRPr lang="en-US" altLang="zh-CN" dirty="0" smtClean="0">
-              <a:solidFill>
-                <a:srgbClr val="000000"/>
-              </a:solidFill>
-              <a:latin typeface="Arial"/>
-            </a:endParaRPr>
-          </a:p>
-          <a:p>
-            <a:pPr>
-              <a:lnSpc>
-                <a:spcPct val="150000"/>
-              </a:lnSpc>
-            </a:pPr>
-            <a:r>
-              <a:rPr lang="en-US" altLang="zh-CN" dirty="0" smtClean="0">
-                <a:solidFill>
-                  <a:srgbClr val="000000"/>
-                </a:solidFill>
-                <a:latin typeface="Arial"/>
-              </a:rPr>
-              <a:t>	</a:t>
-            </a:r>
-            <a:r>
-              <a:rPr lang="en-US" altLang="zh-CN" dirty="0" err="1" smtClean="0">
-                <a:solidFill>
-                  <a:srgbClr val="000000"/>
-                </a:solidFill>
-                <a:latin typeface="Arial"/>
-              </a:rPr>
-              <a:t>QWidget</a:t>
-            </a:r>
-            <a:r>
-              <a:rPr lang="zh-CN" altLang="en-US" dirty="0" smtClean="0">
-                <a:solidFill>
-                  <a:srgbClr val="000000"/>
-                </a:solidFill>
-                <a:latin typeface="Arial"/>
-              </a:rPr>
-              <a:t>中</a:t>
-            </a:r>
-            <a:r>
-              <a:rPr lang="en-US" altLang="zh-CN" dirty="0" err="1" smtClean="0">
-                <a:solidFill>
-                  <a:srgbClr val="000000"/>
-                </a:solidFill>
-              </a:rPr>
-              <a:t>setWindowIcon</a:t>
-            </a:r>
-            <a:r>
-              <a:rPr lang="zh-CN" altLang="en-US" dirty="0">
-                <a:solidFill>
-                  <a:srgbClr val="000000"/>
-                </a:solidFill>
-              </a:rPr>
-              <a:t>方法用于设置窗口的图标，只能在</a:t>
-            </a:r>
-            <a:r>
-              <a:rPr lang="en-US" altLang="zh-CN" dirty="0">
-                <a:solidFill>
-                  <a:srgbClr val="000000"/>
-                </a:solidFill>
-              </a:rPr>
-              <a:t>Windows</a:t>
-            </a:r>
-            <a:r>
-              <a:rPr lang="zh-CN" altLang="en-US" dirty="0">
-                <a:solidFill>
-                  <a:srgbClr val="000000"/>
-                </a:solidFill>
-              </a:rPr>
-              <a:t>中</a:t>
-            </a:r>
-            <a:r>
-              <a:rPr lang="zh-CN" altLang="en-US" dirty="0" smtClean="0">
-                <a:solidFill>
-                  <a:srgbClr val="000000"/>
-                </a:solidFill>
-              </a:rPr>
-              <a:t>显示</a:t>
-            </a:r>
-            <a:endParaRPr lang="en-US" altLang="zh-CN" dirty="0" smtClean="0">
-              <a:solidFill>
-                <a:srgbClr val="000000"/>
-              </a:solidFill>
-            </a:endParaRPr>
-          </a:p>
-          <a:p>
-            <a:pPr>
-              <a:lnSpc>
-                <a:spcPct val="150000"/>
-              </a:lnSpc>
-            </a:pPr>
-            <a:r>
-              <a:rPr lang="en-US" altLang="zh-CN" dirty="0" smtClean="0">
-                <a:solidFill>
-                  <a:srgbClr val="000000"/>
-                </a:solidFill>
-              </a:rPr>
-              <a:t>	</a:t>
-            </a:r>
-            <a:r>
-              <a:rPr lang="en-US" altLang="zh-CN" dirty="0" err="1" smtClean="0">
-                <a:solidFill>
-                  <a:srgbClr val="000000"/>
-                </a:solidFill>
-              </a:rPr>
-              <a:t>QApplication</a:t>
-            </a:r>
-            <a:r>
-              <a:rPr lang="zh-CN" altLang="en-US" dirty="0">
-                <a:solidFill>
-                  <a:srgbClr val="000000"/>
-                </a:solidFill>
-              </a:rPr>
-              <a:t>中的</a:t>
-            </a:r>
-            <a:r>
-              <a:rPr lang="en-US" altLang="zh-CN" dirty="0" err="1">
-                <a:solidFill>
-                  <a:srgbClr val="000000"/>
-                </a:solidFill>
-              </a:rPr>
-              <a:t>setWindowIcon</a:t>
-            </a:r>
-            <a:r>
-              <a:rPr lang="zh-CN" altLang="en-US" dirty="0">
-                <a:solidFill>
-                  <a:srgbClr val="000000"/>
-                </a:solidFill>
-              </a:rPr>
-              <a:t>方法用于</a:t>
-            </a:r>
-            <a:r>
-              <a:rPr lang="zh-CN" altLang="en-US" dirty="0" smtClean="0">
-                <a:solidFill>
-                  <a:srgbClr val="000000"/>
-                </a:solidFill>
-              </a:rPr>
-              <a:t>设置主窗口</a:t>
-            </a:r>
-            <a:r>
-              <a:rPr lang="zh-CN" altLang="en-US" dirty="0">
-                <a:solidFill>
-                  <a:srgbClr val="000000"/>
-                </a:solidFill>
-              </a:rPr>
-              <a:t>和应用程序的</a:t>
-            </a:r>
-            <a:r>
-              <a:rPr lang="zh-CN" altLang="en-US" dirty="0" smtClean="0">
-                <a:solidFill>
-                  <a:srgbClr val="000000"/>
-                </a:solidFill>
-              </a:rPr>
-              <a:t>图标，但是</a:t>
-            </a:r>
-            <a:r>
-              <a:rPr lang="zh-CN" altLang="en-US" dirty="0">
-                <a:solidFill>
-                  <a:srgbClr val="000000"/>
-                </a:solidFill>
-              </a:rPr>
-              <a:t>调用</a:t>
-            </a:r>
-            <a:r>
-              <a:rPr lang="zh-CN" altLang="en-US" dirty="0" smtClean="0">
-                <a:solidFill>
-                  <a:srgbClr val="000000"/>
-                </a:solidFill>
-              </a:rPr>
-              <a:t>了</a:t>
-            </a:r>
-            <a:r>
-              <a:rPr lang="en-US" altLang="zh-CN" dirty="0" err="1">
-                <a:solidFill>
-                  <a:srgbClr val="000000"/>
-                </a:solidFill>
-              </a:rPr>
-              <a:t>QWidget</a:t>
-            </a:r>
-            <a:r>
-              <a:rPr lang="zh-CN" altLang="en-US" dirty="0" smtClean="0">
-                <a:solidFill>
-                  <a:srgbClr val="000000"/>
-                </a:solidFill>
-              </a:rPr>
-              <a:t>的</a:t>
-            </a:r>
-            <a:r>
-              <a:rPr lang="en-US" altLang="zh-CN" dirty="0" err="1">
-                <a:solidFill>
-                  <a:srgbClr val="000000"/>
-                </a:solidFill>
-              </a:rPr>
-              <a:t>setWindowIcon</a:t>
-            </a:r>
-            <a:r>
-              <a:rPr lang="zh-CN" altLang="en-US" dirty="0" smtClean="0">
-                <a:solidFill>
-                  <a:srgbClr val="000000"/>
-                </a:solidFill>
-              </a:rPr>
-              <a:t>方法。因此当</a:t>
-            </a:r>
-            <a:r>
-              <a:rPr lang="en-US" altLang="zh-CN" dirty="0" err="1">
-                <a:solidFill>
-                  <a:srgbClr val="000000"/>
-                </a:solidFill>
-              </a:rPr>
-              <a:t>QWidget</a:t>
-            </a:r>
-            <a:r>
-              <a:rPr lang="zh-CN" altLang="en-US" dirty="0" smtClean="0">
-                <a:solidFill>
-                  <a:srgbClr val="000000"/>
-                </a:solidFill>
-              </a:rPr>
-              <a:t>和</a:t>
-            </a:r>
-            <a:r>
-              <a:rPr lang="en-US" altLang="zh-CN" dirty="0" err="1">
-                <a:solidFill>
-                  <a:srgbClr val="000000"/>
-                </a:solidFill>
-              </a:rPr>
-              <a:t>QApplication</a:t>
-            </a:r>
-            <a:r>
-              <a:rPr lang="zh-CN" altLang="en-US" dirty="0">
-                <a:solidFill>
-                  <a:srgbClr val="000000"/>
-                </a:solidFill>
-              </a:rPr>
-              <a:t>同时</a:t>
-            </a:r>
-            <a:r>
-              <a:rPr lang="zh-CN" altLang="en-US" dirty="0" smtClean="0">
-                <a:solidFill>
-                  <a:srgbClr val="000000"/>
-                </a:solidFill>
-              </a:rPr>
-              <a:t>存在时，</a:t>
-            </a:r>
-            <a:r>
-              <a:rPr lang="en-US" altLang="zh-CN" dirty="0" err="1" smtClean="0">
-                <a:solidFill>
-                  <a:srgbClr val="000000"/>
-                </a:solidFill>
-              </a:rPr>
-              <a:t>QApplication</a:t>
-            </a:r>
-            <a:r>
-              <a:rPr lang="zh-CN" altLang="en-US" dirty="0">
-                <a:solidFill>
-                  <a:srgbClr val="000000"/>
-                </a:solidFill>
-              </a:rPr>
-              <a:t>中的</a:t>
-            </a:r>
-            <a:r>
-              <a:rPr lang="en-US" altLang="zh-CN" dirty="0" err="1">
-                <a:solidFill>
-                  <a:srgbClr val="000000"/>
-                </a:solidFill>
-              </a:rPr>
-              <a:t>setWindowIcon</a:t>
-            </a:r>
-            <a:r>
-              <a:rPr lang="zh-CN" altLang="en-US" dirty="0">
-                <a:solidFill>
-                  <a:srgbClr val="000000"/>
-                </a:solidFill>
-              </a:rPr>
-              <a:t>只能用于设置应用程序的图标</a:t>
-            </a:r>
-            <a:r>
-              <a:rPr lang="zh-CN" altLang="en-US" dirty="0" smtClean="0">
-                <a:solidFill>
-                  <a:srgbClr val="000000"/>
-                </a:solidFill>
-              </a:rPr>
-              <a:t>。</a:t>
             </a:r>
             <a:endParaRPr dirty="0">
               <a:solidFill>
@@ -5039,7 +4971,7 @@
     </p:spTree>
     <p:extLst>
       <p:ext uri="{BB962C8B-B14F-4D97-AF65-F5344CB8AC3E}">
-        <p14:creationId xmlns:p14="http://schemas.microsoft.com/office/powerpoint/2010/main" val="4130935269"/>
+        <p14:creationId xmlns:p14="http://schemas.microsoft.com/office/powerpoint/2010/main" val="1910444715"/>
       </p:ext>
     </p:extLst>
   </p:cSld>
@@ -5086,6 +5018,742 @@
           <a:bodyPr wrap="square" lIns="0" rIns="0" rtlCol="0" anchor="ctr"/>
           <a:lstStyle/>
           <a:p>
+            <a:pPr>
+              <a:lnSpc>
+                <a:spcPct val="100000"/>
+              </a:lnSpc>
+            </a:pPr>
+            <a:r>
+              <a:rPr sz="2000" dirty="0" smtClean="0">
+                <a:solidFill>
+                  <a:srgbClr val="000000"/>
+                </a:solidFill>
+                <a:latin typeface="Arial"/>
+              </a:rPr>
+              <a:t>4.</a:t>
+            </a:r>
+            <a:r>
+              <a:rPr lang="en-US" sz="2000" dirty="0" smtClean="0">
+                <a:solidFill>
+                  <a:srgbClr val="000000"/>
+                </a:solidFill>
+                <a:latin typeface="Arial"/>
+              </a:rPr>
+              <a:t>2</a:t>
+            </a:r>
+            <a:r>
+              <a:rPr sz="2000" dirty="0" smtClean="0">
+                <a:solidFill>
+                  <a:srgbClr val="000000"/>
+                </a:solidFill>
+                <a:latin typeface="Arial"/>
+              </a:rPr>
+              <a:t>.</a:t>
+            </a:r>
+            <a:r>
+              <a:rPr lang="en-US" sz="2000" dirty="0" smtClean="0">
+                <a:solidFill>
+                  <a:srgbClr val="000000"/>
+                </a:solidFill>
+                <a:latin typeface="Arial"/>
+              </a:rPr>
+              <a:t>4</a:t>
+            </a:r>
+            <a:r>
+              <a:rPr lang="zh-CN" altLang="en-US" sz="2000" dirty="0" smtClean="0">
+                <a:solidFill>
+                  <a:srgbClr val="000000"/>
+                </a:solidFill>
+              </a:rPr>
+              <a:t>为</a:t>
+            </a:r>
+            <a:r>
+              <a:rPr lang="zh-CN" altLang="en-US" sz="2000" dirty="0">
+                <a:solidFill>
+                  <a:srgbClr val="000000"/>
+                </a:solidFill>
+              </a:rPr>
+              <a:t>应用设置程序图标</a:t>
+            </a:r>
+            <a:endParaRPr sz="2000" dirty="0">
+              <a:solidFill>
+                <a:srgbClr val="000000"/>
+              </a:solidFill>
+              <a:latin typeface="Arial"/>
+            </a:endParaRPr>
+          </a:p>
+        </p:txBody>
+      </p:sp>
+      <p:sp>
+        <p:nvSpPr>
+          <p:cNvPr id="381" name="Text 381"/>
+          <p:cNvSpPr txBox="1"/>
+          <p:nvPr/>
+        </p:nvSpPr>
+        <p:spPr>
+          <a:xfrm>
+            <a:off x="508638" y="1903246"/>
+            <a:ext cx="6128468" cy="3391500"/>
+          </a:xfrm>
+          <a:prstGeom prst="rect">
+            <a:avLst/>
+          </a:prstGeom>
+          <a:noFill/>
+        </p:spPr>
+        <p:txBody>
+          <a:bodyPr wrap="square" lIns="0" rIns="0" rtlCol="0" anchor="t"/>
+          <a:lstStyle/>
+          <a:p>
+            <a:pPr>
+              <a:lnSpc>
+                <a:spcPct val="150000"/>
+              </a:lnSpc>
+            </a:pPr>
+            <a:r>
+              <a:rPr lang="zh-CN" altLang="en-US" dirty="0" smtClean="0">
+                <a:solidFill>
+                  <a:srgbClr val="000000"/>
+                </a:solidFill>
+                <a:latin typeface="Arial"/>
+                <a:sym typeface="Wingdings" panose="05000000000000000000" pitchFamily="2" charset="2"/>
+              </a:rPr>
+              <a:t> 案例</a:t>
+            </a:r>
+            <a:r>
+              <a:rPr lang="en-US" altLang="zh-CN" dirty="0" smtClean="0">
+                <a:solidFill>
+                  <a:srgbClr val="000000"/>
+                </a:solidFill>
+                <a:latin typeface="Arial"/>
+                <a:sym typeface="Wingdings" panose="05000000000000000000" pitchFamily="2" charset="2"/>
+              </a:rPr>
+              <a:t>4-6 </a:t>
+            </a:r>
+            <a:r>
+              <a:rPr lang="zh-CN" altLang="en-US" dirty="0" smtClean="0">
+                <a:solidFill>
+                  <a:srgbClr val="000000"/>
+                </a:solidFill>
+                <a:latin typeface="Arial"/>
+                <a:sym typeface="Wingdings" panose="05000000000000000000" pitchFamily="2" charset="2"/>
+              </a:rPr>
+              <a:t>设置程序图标</a:t>
+            </a:r>
+            <a:endParaRPr lang="en-US" dirty="0" smtClean="0">
+              <a:solidFill>
+                <a:srgbClr val="000000"/>
+              </a:solidFill>
+              <a:latin typeface="Arial"/>
+            </a:endParaRPr>
+          </a:p>
+          <a:p>
+            <a:pPr>
+              <a:lnSpc>
+                <a:spcPct val="150000"/>
+              </a:lnSpc>
+            </a:pPr>
+            <a:r>
+              <a:rPr lang="en-US" dirty="0" smtClean="0">
+                <a:solidFill>
+                  <a:srgbClr val="000000"/>
+                </a:solidFill>
+                <a:latin typeface="Arial"/>
+              </a:rPr>
+              <a:t>	</a:t>
+            </a:r>
+            <a:r>
+              <a:rPr lang="zh-CN" altLang="en-US" dirty="0" smtClean="0">
+                <a:solidFill>
+                  <a:srgbClr val="000000"/>
+                </a:solidFill>
+                <a:latin typeface="Arial"/>
+              </a:rPr>
+              <a:t>使用</a:t>
+            </a:r>
+            <a:r>
+              <a:rPr lang="en-US" altLang="zh-CN" dirty="0" err="1" smtClean="0">
+                <a:solidFill>
+                  <a:srgbClr val="000000"/>
+                </a:solidFill>
+              </a:rPr>
+              <a:t>setWindowIcon</a:t>
+            </a:r>
+            <a:r>
+              <a:rPr lang="en-US" altLang="zh-CN" dirty="0" smtClean="0">
+                <a:solidFill>
+                  <a:srgbClr val="000000"/>
+                </a:solidFill>
+              </a:rPr>
+              <a:t>()</a:t>
+            </a:r>
+            <a:r>
+              <a:rPr lang="zh-CN" altLang="en-US" dirty="0" smtClean="0">
+                <a:solidFill>
+                  <a:srgbClr val="000000"/>
+                </a:solidFill>
+              </a:rPr>
+              <a:t>方法来设置程序图标</a:t>
+            </a:r>
+            <a:endParaRPr lang="en-US" altLang="zh-CN" dirty="0" smtClean="0">
+              <a:solidFill>
+                <a:srgbClr val="000000"/>
+              </a:solidFill>
+              <a:latin typeface="Arial"/>
+            </a:endParaRPr>
+          </a:p>
+          <a:p>
+            <a:pPr>
+              <a:lnSpc>
+                <a:spcPct val="150000"/>
+              </a:lnSpc>
+            </a:pPr>
+            <a:r>
+              <a:rPr lang="en-US" altLang="zh-CN" dirty="0" smtClean="0">
+                <a:solidFill>
+                  <a:srgbClr val="000000"/>
+                </a:solidFill>
+                <a:latin typeface="Arial"/>
+              </a:rPr>
+              <a:t>	</a:t>
+            </a:r>
+            <a:r>
+              <a:rPr lang="zh-CN" altLang="en-US" dirty="0" smtClean="0">
+                <a:solidFill>
+                  <a:srgbClr val="000000"/>
+                </a:solidFill>
+                <a:latin typeface="Arial"/>
+              </a:rPr>
+              <a:t>需要一个</a:t>
+            </a:r>
+            <a:r>
+              <a:rPr lang="en-US" altLang="zh-CN" dirty="0" err="1" smtClean="0">
+                <a:solidFill>
+                  <a:srgbClr val="000000"/>
+                </a:solidFill>
+              </a:rPr>
+              <a:t>QIcon</a:t>
+            </a:r>
+            <a:r>
+              <a:rPr lang="zh-CN" altLang="en-US" dirty="0" smtClean="0">
+                <a:solidFill>
+                  <a:srgbClr val="000000"/>
+                </a:solidFill>
+              </a:rPr>
+              <a:t>类型的参数</a:t>
+            </a:r>
+            <a:endParaRPr lang="en-US" altLang="zh-CN" dirty="0" smtClean="0">
+              <a:solidFill>
+                <a:srgbClr val="000000"/>
+              </a:solidFill>
+            </a:endParaRPr>
+          </a:p>
+          <a:p>
+            <a:pPr>
+              <a:lnSpc>
+                <a:spcPct val="150000"/>
+              </a:lnSpc>
+            </a:pPr>
+            <a:r>
+              <a:rPr lang="en-US" dirty="0">
+                <a:solidFill>
+                  <a:srgbClr val="000000"/>
+                </a:solidFill>
+                <a:latin typeface="Arial"/>
+              </a:rPr>
+              <a:t>	</a:t>
+            </a:r>
+            <a:r>
+              <a:rPr lang="en-US" dirty="0" err="1" smtClean="0">
+                <a:solidFill>
+                  <a:srgbClr val="000000"/>
+                </a:solidFill>
+              </a:rPr>
+              <a:t>QIcon</a:t>
+            </a:r>
+            <a:r>
+              <a:rPr lang="zh-CN" altLang="en-US" dirty="0" smtClean="0">
+                <a:solidFill>
+                  <a:srgbClr val="000000"/>
+                </a:solidFill>
+              </a:rPr>
+              <a:t>类型存在</a:t>
+            </a:r>
+            <a:r>
+              <a:rPr lang="en-US" altLang="zh-CN" dirty="0" err="1" smtClean="0">
+                <a:solidFill>
+                  <a:srgbClr val="000000"/>
+                </a:solidFill>
+              </a:rPr>
+              <a:t>QtGui</a:t>
+            </a:r>
+            <a:r>
+              <a:rPr lang="zh-CN" altLang="en-US" dirty="0" smtClean="0">
+                <a:solidFill>
+                  <a:srgbClr val="000000"/>
+                </a:solidFill>
+              </a:rPr>
+              <a:t>中</a:t>
+            </a:r>
+            <a:r>
+              <a:rPr dirty="0">
+                <a:solidFill>
+                  <a:srgbClr val="000000"/>
+                </a:solidFill>
+                <a:latin typeface="Arial"/>
+              </a:rPr>
+              <a:t>
+</a:t>
+            </a:r>
+            <a:r>
+              <a:rPr lang="zh-CN" altLang="en-US" dirty="0">
+                <a:solidFill>
+                  <a:srgbClr val="000000"/>
+                </a:solidFill>
+                <a:latin typeface="Arial"/>
+                <a:sym typeface="Wingdings" panose="05000000000000000000" pitchFamily="2" charset="2"/>
+              </a:rPr>
+              <a:t>  </a:t>
+            </a:r>
+            <a:r>
+              <a:rPr lang="zh-CN" altLang="en-US" dirty="0" smtClean="0">
+                <a:solidFill>
+                  <a:srgbClr val="000000"/>
+                </a:solidFill>
+                <a:latin typeface="Arial"/>
+              </a:rPr>
+              <a:t>几点注意</a:t>
+            </a:r>
+            <a:endParaRPr lang="en-US" altLang="zh-CN" dirty="0" smtClean="0">
+              <a:solidFill>
+                <a:srgbClr val="000000"/>
+              </a:solidFill>
+              <a:latin typeface="Arial"/>
+            </a:endParaRPr>
+          </a:p>
+          <a:p>
+            <a:pPr>
+              <a:lnSpc>
+                <a:spcPct val="150000"/>
+              </a:lnSpc>
+            </a:pPr>
+            <a:r>
+              <a:rPr lang="en-US" altLang="zh-CN" dirty="0" smtClean="0">
+                <a:solidFill>
+                  <a:srgbClr val="000000"/>
+                </a:solidFill>
+                <a:latin typeface="Arial"/>
+              </a:rPr>
+              <a:t>	</a:t>
+            </a:r>
+            <a:r>
+              <a:rPr lang="en-US" altLang="zh-CN" dirty="0" err="1" smtClean="0">
+                <a:solidFill>
+                  <a:srgbClr val="000000"/>
+                </a:solidFill>
+                <a:latin typeface="Arial"/>
+              </a:rPr>
+              <a:t>QWidget</a:t>
+            </a:r>
+            <a:r>
+              <a:rPr lang="zh-CN" altLang="en-US" dirty="0" smtClean="0">
+                <a:solidFill>
+                  <a:srgbClr val="000000"/>
+                </a:solidFill>
+                <a:latin typeface="Arial"/>
+              </a:rPr>
+              <a:t>中</a:t>
+            </a:r>
+            <a:r>
+              <a:rPr lang="en-US" altLang="zh-CN" dirty="0" err="1" smtClean="0">
+                <a:solidFill>
+                  <a:srgbClr val="000000"/>
+                </a:solidFill>
+              </a:rPr>
+              <a:t>setWindowIcon</a:t>
+            </a:r>
+            <a:r>
+              <a:rPr lang="zh-CN" altLang="en-US" dirty="0">
+                <a:solidFill>
+                  <a:srgbClr val="000000"/>
+                </a:solidFill>
+              </a:rPr>
+              <a:t>方法用于设置窗口的图标，只能在</a:t>
+            </a:r>
+            <a:r>
+              <a:rPr lang="en-US" altLang="zh-CN" dirty="0">
+                <a:solidFill>
+                  <a:srgbClr val="000000"/>
+                </a:solidFill>
+              </a:rPr>
+              <a:t>Windows</a:t>
+            </a:r>
+            <a:r>
+              <a:rPr lang="zh-CN" altLang="en-US" dirty="0">
+                <a:solidFill>
+                  <a:srgbClr val="000000"/>
+                </a:solidFill>
+              </a:rPr>
+              <a:t>中</a:t>
+            </a:r>
+            <a:r>
+              <a:rPr lang="zh-CN" altLang="en-US" dirty="0" smtClean="0">
+                <a:solidFill>
+                  <a:srgbClr val="000000"/>
+                </a:solidFill>
+              </a:rPr>
+              <a:t>显示</a:t>
+            </a:r>
+            <a:endParaRPr lang="en-US" altLang="zh-CN" dirty="0" smtClean="0">
+              <a:solidFill>
+                <a:srgbClr val="000000"/>
+              </a:solidFill>
+            </a:endParaRPr>
+          </a:p>
+          <a:p>
+            <a:pPr>
+              <a:lnSpc>
+                <a:spcPct val="150000"/>
+              </a:lnSpc>
+            </a:pPr>
+            <a:r>
+              <a:rPr lang="en-US" altLang="zh-CN" dirty="0" smtClean="0">
+                <a:solidFill>
+                  <a:srgbClr val="000000"/>
+                </a:solidFill>
+              </a:rPr>
+              <a:t>	</a:t>
+            </a:r>
+            <a:r>
+              <a:rPr lang="en-US" altLang="zh-CN" dirty="0" err="1" smtClean="0">
+                <a:solidFill>
+                  <a:srgbClr val="000000"/>
+                </a:solidFill>
+              </a:rPr>
+              <a:t>QApplication</a:t>
+            </a:r>
+            <a:r>
+              <a:rPr lang="zh-CN" altLang="en-US" dirty="0">
+                <a:solidFill>
+                  <a:srgbClr val="000000"/>
+                </a:solidFill>
+              </a:rPr>
+              <a:t>中的</a:t>
+            </a:r>
+            <a:r>
+              <a:rPr lang="en-US" altLang="zh-CN" dirty="0" err="1">
+                <a:solidFill>
+                  <a:srgbClr val="000000"/>
+                </a:solidFill>
+              </a:rPr>
+              <a:t>setWindowIcon</a:t>
+            </a:r>
+            <a:r>
+              <a:rPr lang="zh-CN" altLang="en-US" dirty="0">
+                <a:solidFill>
+                  <a:srgbClr val="000000"/>
+                </a:solidFill>
+              </a:rPr>
+              <a:t>方法用于</a:t>
+            </a:r>
+            <a:r>
+              <a:rPr lang="zh-CN" altLang="en-US" dirty="0" smtClean="0">
+                <a:solidFill>
+                  <a:srgbClr val="000000"/>
+                </a:solidFill>
+              </a:rPr>
+              <a:t>设置主窗口</a:t>
+            </a:r>
+            <a:r>
+              <a:rPr lang="zh-CN" altLang="en-US" dirty="0">
+                <a:solidFill>
+                  <a:srgbClr val="000000"/>
+                </a:solidFill>
+              </a:rPr>
+              <a:t>和应用程序的</a:t>
+            </a:r>
+            <a:r>
+              <a:rPr lang="zh-CN" altLang="en-US" dirty="0" smtClean="0">
+                <a:solidFill>
+                  <a:srgbClr val="000000"/>
+                </a:solidFill>
+              </a:rPr>
+              <a:t>图标，但是</a:t>
+            </a:r>
+            <a:r>
+              <a:rPr lang="zh-CN" altLang="en-US" dirty="0">
+                <a:solidFill>
+                  <a:srgbClr val="000000"/>
+                </a:solidFill>
+              </a:rPr>
+              <a:t>调用</a:t>
+            </a:r>
+            <a:r>
+              <a:rPr lang="zh-CN" altLang="en-US" dirty="0" smtClean="0">
+                <a:solidFill>
+                  <a:srgbClr val="000000"/>
+                </a:solidFill>
+              </a:rPr>
+              <a:t>了</a:t>
+            </a:r>
+            <a:r>
+              <a:rPr lang="en-US" altLang="zh-CN" dirty="0" err="1">
+                <a:solidFill>
+                  <a:srgbClr val="000000"/>
+                </a:solidFill>
+              </a:rPr>
+              <a:t>QWidget</a:t>
+            </a:r>
+            <a:r>
+              <a:rPr lang="zh-CN" altLang="en-US" dirty="0" smtClean="0">
+                <a:solidFill>
+                  <a:srgbClr val="000000"/>
+                </a:solidFill>
+              </a:rPr>
+              <a:t>的</a:t>
+            </a:r>
+            <a:r>
+              <a:rPr lang="en-US" altLang="zh-CN" dirty="0" err="1">
+                <a:solidFill>
+                  <a:srgbClr val="000000"/>
+                </a:solidFill>
+              </a:rPr>
+              <a:t>setWindowIcon</a:t>
+            </a:r>
+            <a:r>
+              <a:rPr lang="zh-CN" altLang="en-US" dirty="0" smtClean="0">
+                <a:solidFill>
+                  <a:srgbClr val="000000"/>
+                </a:solidFill>
+              </a:rPr>
+              <a:t>方法。因此当</a:t>
+            </a:r>
+            <a:r>
+              <a:rPr lang="en-US" altLang="zh-CN" dirty="0" err="1">
+                <a:solidFill>
+                  <a:srgbClr val="000000"/>
+                </a:solidFill>
+              </a:rPr>
+              <a:t>QWidget</a:t>
+            </a:r>
+            <a:r>
+              <a:rPr lang="zh-CN" altLang="en-US" dirty="0" smtClean="0">
+                <a:solidFill>
+                  <a:srgbClr val="000000"/>
+                </a:solidFill>
+              </a:rPr>
+              <a:t>和</a:t>
+            </a:r>
+            <a:r>
+              <a:rPr lang="en-US" altLang="zh-CN" dirty="0" err="1">
+                <a:solidFill>
+                  <a:srgbClr val="000000"/>
+                </a:solidFill>
+              </a:rPr>
+              <a:t>QApplication</a:t>
+            </a:r>
+            <a:r>
+              <a:rPr lang="zh-CN" altLang="en-US" dirty="0">
+                <a:solidFill>
+                  <a:srgbClr val="000000"/>
+                </a:solidFill>
+              </a:rPr>
+              <a:t>同时</a:t>
+            </a:r>
+            <a:r>
+              <a:rPr lang="zh-CN" altLang="en-US" dirty="0" smtClean="0">
+                <a:solidFill>
+                  <a:srgbClr val="000000"/>
+                </a:solidFill>
+              </a:rPr>
+              <a:t>存在时，</a:t>
+            </a:r>
+            <a:r>
+              <a:rPr lang="en-US" altLang="zh-CN" dirty="0" err="1" smtClean="0">
+                <a:solidFill>
+                  <a:srgbClr val="000000"/>
+                </a:solidFill>
+              </a:rPr>
+              <a:t>QApplication</a:t>
+            </a:r>
+            <a:r>
+              <a:rPr lang="zh-CN" altLang="en-US" dirty="0">
+                <a:solidFill>
+                  <a:srgbClr val="000000"/>
+                </a:solidFill>
+              </a:rPr>
+              <a:t>中的</a:t>
+            </a:r>
+            <a:r>
+              <a:rPr lang="en-US" altLang="zh-CN" dirty="0" err="1">
+                <a:solidFill>
+                  <a:srgbClr val="000000"/>
+                </a:solidFill>
+              </a:rPr>
+              <a:t>setWindowIcon</a:t>
+            </a:r>
+            <a:r>
+              <a:rPr lang="zh-CN" altLang="en-US" dirty="0">
+                <a:solidFill>
+                  <a:srgbClr val="000000"/>
+                </a:solidFill>
+              </a:rPr>
+              <a:t>只能用于设置应用程序的图标</a:t>
+            </a:r>
+            <a:r>
+              <a:rPr lang="zh-CN" altLang="en-US" dirty="0" smtClean="0">
+                <a:solidFill>
+                  <a:srgbClr val="000000"/>
+                </a:solidFill>
+              </a:rPr>
+              <a:t>。</a:t>
+            </a:r>
+            <a:endParaRPr dirty="0">
+              <a:solidFill>
+                <a:srgbClr val="000000"/>
+              </a:solidFill>
+              <a:latin typeface="Arial"/>
+            </a:endParaRPr>
+          </a:p>
+        </p:txBody>
+      </p:sp>
+      <p:sp>
+        <p:nvSpPr>
+          <p:cNvPr id="5" name="Text 377"/>
+          <p:cNvSpPr txBox="1"/>
+          <p:nvPr/>
+        </p:nvSpPr>
+        <p:spPr>
+          <a:xfrm>
+            <a:off x="364800" y="637866"/>
+            <a:ext cx="6127500" cy="598500"/>
+          </a:xfrm>
+          <a:prstGeom prst="rect">
+            <a:avLst/>
+          </a:prstGeom>
+          <a:noFill/>
+        </p:spPr>
+        <p:txBody>
+          <a:bodyPr wrap="square" lIns="0" rIns="0" rtlCol="0" anchor="ctr"/>
+          <a:lstStyle/>
+          <a:p>
+            <a:pPr algn="ctr">
+              <a:lnSpc>
+                <a:spcPct val="100000"/>
+              </a:lnSpc>
+            </a:pPr>
+            <a:r>
+              <a:rPr sz="2400" dirty="0" smtClean="0">
+                <a:solidFill>
+                  <a:srgbClr val="000000"/>
+                </a:solidFill>
+                <a:latin typeface="Arial"/>
+              </a:rPr>
+              <a:t>4.</a:t>
+            </a:r>
+            <a:r>
+              <a:rPr lang="en-US" altLang="zh-CN" sz="2400" dirty="0" smtClean="0">
+                <a:solidFill>
+                  <a:srgbClr val="000000"/>
+                </a:solidFill>
+                <a:latin typeface="Arial"/>
+              </a:rPr>
+              <a:t>2</a:t>
+            </a:r>
+            <a:r>
+              <a:rPr sz="2400" dirty="0" smtClean="0">
+                <a:solidFill>
+                  <a:srgbClr val="000000"/>
+                </a:solidFill>
+                <a:latin typeface="Arial"/>
+              </a:rPr>
+              <a:t> </a:t>
+            </a:r>
+            <a:r>
+              <a:rPr sz="2400" dirty="0" err="1" smtClean="0">
+                <a:solidFill>
+                  <a:srgbClr val="000000"/>
+                </a:solidFill>
+                <a:latin typeface="Arial"/>
+              </a:rPr>
+              <a:t>Q</a:t>
+            </a:r>
+            <a:r>
+              <a:rPr lang="en-US" sz="2400" dirty="0" err="1" smtClean="0">
+                <a:solidFill>
+                  <a:srgbClr val="000000"/>
+                </a:solidFill>
+                <a:latin typeface="Arial"/>
+              </a:rPr>
+              <a:t>W</a:t>
+            </a:r>
+            <a:r>
+              <a:rPr lang="en-US" altLang="zh-CN" sz="2400" dirty="0" err="1" smtClean="0">
+                <a:solidFill>
+                  <a:srgbClr val="000000"/>
+                </a:solidFill>
+                <a:latin typeface="Arial"/>
+              </a:rPr>
+              <a:t>idget</a:t>
+            </a:r>
+            <a:endParaRPr sz="2400" dirty="0">
+              <a:solidFill>
+                <a:srgbClr val="000000"/>
+              </a:solidFill>
+              <a:latin typeface="Arial"/>
+            </a:endParaRPr>
+          </a:p>
+        </p:txBody>
+      </p:sp>
+    </p:spTree>
+    <p:extLst>
+      <p:ext uri="{BB962C8B-B14F-4D97-AF65-F5344CB8AC3E}">
+        <p14:creationId xmlns:p14="http://schemas.microsoft.com/office/powerpoint/2010/main" val="4130935269"/>
+      </p:ext>
+    </p:extLst>
+  </p:cSld>
+  <p:clrMapOvr>
+    <a:masterClrMapping/>
+  </p:clrMapOvr>
+</p:sld>
+</file>
+
+<file path=ppt/slides/slide14.xml><?xml version="1.0" encoding="utf-8"?>
+<p:sld xmlns:a="http://schemas.openxmlformats.org/drawingml/2006/main" xmlns:r="http://schemas.openxmlformats.org/officeDocument/2006/relationships" xmlns:p="http://schemas.openxmlformats.org/presentationml/2006/main">
+  <p:cSld>
+    <p:spTree>
+      <p:nvGrpSpPr>
+        <p:cNvPr id="1" name="slide4"/>
+        <p:cNvGrpSpPr/>
+        <p:nvPr/>
+      </p:nvGrpSpPr>
+      <p:grpSpPr>
+        <a:xfrm>
+          <a:off x="0" y="0"/>
+          <a:ext cx="0" cy="0"/>
+          <a:chOff x="0" y="0"/>
+          <a:chExt cx="0" cy="0"/>
+        </a:xfrm>
+      </p:grpSpPr>
+      <p:sp>
+        <p:nvSpPr>
+          <p:cNvPr id="380" name="Text 380"/>
+          <p:cNvSpPr txBox="1"/>
+          <p:nvPr/>
+        </p:nvSpPr>
+        <p:spPr>
+          <a:xfrm>
+            <a:off x="364800" y="1270556"/>
+            <a:ext cx="6127500" cy="598500"/>
+          </a:xfrm>
+          <a:prstGeom prst="rect">
+            <a:avLst/>
+          </a:prstGeom>
+          <a:noFill/>
+        </p:spPr>
+        <p:txBody>
+          <a:bodyPr wrap="square" lIns="0" rIns="0" rtlCol="0" anchor="ctr"/>
+          <a:lstStyle/>
+          <a:p>
             <a:r>
               <a:rPr sz="2000" dirty="0" smtClean="0">
                 <a:solidFill>
@@ -5360,77 +6028,6 @@
     <p:extLst>
       <p:ext uri="{BB962C8B-B14F-4D97-AF65-F5344CB8AC3E}">
         <p14:creationId xmlns:p14="http://schemas.microsoft.com/office/powerpoint/2010/main" val="724477471"/>
-      </p:ext>
-    </p:extLst>
-  </p:cSld>
-  <p:clrMapOvr>
-    <a:masterClrMapping/>
-  </p:clrMapOvr>
-</p:sld>
-</file>
-
-<file path=ppt/slides/slide14.xml><?xml version="1.0" encoding="utf-8"?>
-<p:sld xmlns:a="http://schemas.openxmlformats.org/drawingml/2006/main" xmlns:r="http://schemas.openxmlformats.org/officeDocument/2006/relationships" xmlns:p="http://schemas.openxmlformats.org/presentationml/2006/main">
-  <p:cSld>
-    <p:spTree>
-      <p:nvGrpSpPr>
-        <p:cNvPr id="1" name="slide1"/>
-        <p:cNvGrpSpPr/>
-        <p:nvPr/>
-      </p:nvGrpSpPr>
-      <p:grpSpPr>
-        <a:xfrm>
-          <a:off x="0" y="0"/>
-          <a:ext cx="0" cy="0"/>
-          <a:chOff x="0" y="0"/>
-          <a:chExt cx="0" cy="0"/>
-        </a:xfrm>
-      </p:grpSpPr>
-      <p:sp>
-        <p:nvSpPr>
-          <p:cNvPr id="2" name="Text 2"/>
-          <p:cNvSpPr txBox="1"/>
-          <p:nvPr/>
-        </p:nvSpPr>
-        <p:spPr>
-          <a:xfrm>
-            <a:off x="446993" y="3802276"/>
-            <a:ext cx="6127500" cy="598500"/>
-          </a:xfrm>
-          <a:prstGeom prst="rect">
-            <a:avLst/>
-          </a:prstGeom>
-          <a:noFill/>
-        </p:spPr>
-        <p:txBody>
-          <a:bodyPr wrap="square" lIns="0" rIns="0" rtlCol="0" anchor="ctr"/>
-          <a:lstStyle/>
-          <a:p>
-            <a:pPr algn="ctr"/>
-            <a:r>
-              <a:rPr lang="zh-CN" altLang="en-US" sz="6600" dirty="0" smtClean="0">
-                <a:solidFill>
-                  <a:srgbClr val="000000"/>
-                </a:solidFill>
-                <a:latin typeface="华文行楷" panose="02010800040101010101" pitchFamily="2" charset="-122"/>
-                <a:ea typeface="华文行楷" panose="02010800040101010101" pitchFamily="2" charset="-122"/>
-              </a:rPr>
-              <a:t>疑问解答</a:t>
-            </a:r>
-            <a:endParaRPr sz="6600" dirty="0">
-              <a:solidFill>
-                <a:srgbClr val="000000"/>
-              </a:solidFill>
-              <a:latin typeface="华文行楷" panose="02010800040101010101" pitchFamily="2" charset="-122"/>
-              <a:ea typeface="华文行楷" panose="02010800040101010101" pitchFamily="2" charset="-122"/>
-            </a:endParaRPr>
-          </a:p>
-        </p:txBody>
-      </p:sp>
-    </p:spTree>
-    <p:extLst>
-      <p:ext uri="{BB962C8B-B14F-4D97-AF65-F5344CB8AC3E}">
-        <p14:creationId xmlns:p14="http://schemas.microsoft.com/office/powerpoint/2010/main" val="3489814575"/>
       </p:ext>
     </p:extLst>
   </p:cSld>
@@ -10714,7 +11311,7 @@
                 </a:solidFill>
                 <a:latin typeface="Arial"/>
               </a:rPr>
-              <a:t>enable</a:t>
+              <a:t>Enable</a:t>
             </a:r>
             <a:r>
               <a:rPr lang="en-US" altLang="zh-CN" dirty="0" smtClean="0">
@@ -11433,17 +12030,7 @@
                 <a:latin typeface="Arial"/>
                 <a:sym typeface="Wingdings" panose="05000000000000000000" pitchFamily="2" charset="2"/>
               </a:rPr>
-              <a:t> </a:t>
-            </a:r>
-            <a:r>
-              <a:rPr lang="zh-CN" altLang="en-US" dirty="0" smtClean="0">
-                <a:solidFill>
-                  <a:srgbClr val="000000"/>
-                </a:solidFill>
-                <a:latin typeface="Arial"/>
-                <a:sym typeface="Wingdings" panose="05000000000000000000" pitchFamily="2" charset="2"/>
-              </a:rPr>
-              <a:t>常用方法</a:t>
+              <a:t> 常用方法</a:t>
             </a:r>
             <a:endParaRPr lang="en-US" dirty="0" smtClean="0">
               <a:solidFill>
@@ -12635,17 +13222,7 @@
                 <a:latin typeface="Arial"/>
                 <a:sym typeface="Wingdings" panose="05000000000000000000" pitchFamily="2" charset="2"/>
               </a:rPr>
-              <a:t> </a:t>
-            </a:r>
-            <a:r>
-              <a:rPr lang="zh-CN" altLang="en-US" dirty="0" smtClean="0">
-                <a:solidFill>
-                  <a:srgbClr val="000000"/>
-                </a:solidFill>
-                <a:latin typeface="Arial"/>
-                <a:sym typeface="Wingdings" panose="05000000000000000000" pitchFamily="2" charset="2"/>
-              </a:rPr>
-              <a:t>常用方法</a:t>
+              <a:t> 常用方法</a:t>
             </a:r>
             <a:endParaRPr lang="en-US" dirty="0" smtClean="0">
               <a:solidFill>
@@ -13134,17 +13711,7 @@
                 <a:latin typeface="Arial"/>
                 <a:sym typeface="Wingdings" panose="05000000000000000000" pitchFamily="2" charset="2"/>
               </a:rPr>
-              <a:t> </a:t>
-            </a:r>
-            <a:r>
-              <a:rPr lang="zh-CN" altLang="en-US" dirty="0" smtClean="0">
-                <a:solidFill>
-                  <a:srgbClr val="000000"/>
-                </a:solidFill>
-                <a:latin typeface="Arial"/>
-                <a:sym typeface="Wingdings" panose="05000000000000000000" pitchFamily="2" charset="2"/>
-              </a:rPr>
-              <a:t>案例</a:t>
+              <a:t> 案例</a:t>
             </a:r>
             <a:r>
               <a:rPr lang="en-US" altLang="zh-CN" dirty="0" smtClean="0">
@@ -15183,7 +15750,7 @@
         </p:nvGrpSpPr>
         <p:grpSpPr>
           <a:xfrm>
-            <a:off x="490141" y="5604821"/>
+            <a:off x="490141" y="5666466"/>
             <a:ext cx="5876818" cy="3298005"/>
             <a:chOff x="490141" y="5604821"/>
             <a:chExt cx="5876818" cy="3298005"/>
@@ -16054,13 +16621,13 @@
               <a:t>中的</a:t>
             </a:r>
             <a:r>
-              <a:rPr lang="en-US" altLang="zh-CN" dirty="0" err="1">
-                <a:solidFill>
-                  <a:srgbClr val="000000"/>
-                </a:solidFill>
-                <a:latin typeface="Arial"/>
-              </a:rPr>
-              <a:t>qiut</a:t>
+              <a:rPr lang="en-US" altLang="zh-CN" dirty="0" smtClean="0">
+                <a:solidFill>
+                  <a:srgbClr val="000000"/>
+                </a:solidFill>
+                <a:latin typeface="Arial"/>
+              </a:rPr>
+              <a:t>quit</a:t>
             </a:r>
             <a:r>
               <a:rPr lang="en-US" altLang="zh-CN" dirty="0">
@@ -16189,6 +16756,155 @@
 </file>
 
 <file path=ppt/slides/slide7.xml><?xml version="1.0" encoding="utf-8"?>
+<p:sld xmlns:a="http://schemas.openxmlformats.org/drawingml/2006/main" xmlns:r="http://schemas.openxmlformats.org/officeDocument/2006/relationships" xmlns:p="http://schemas.openxmlformats.org/presentationml/2006/main">
+  <p:cSld>
+    <p:spTree>
+      <p:nvGrpSpPr>
+        <p:cNvPr id="1" name="slide1"/>
+        <p:cNvGrpSpPr/>
+        <p:nvPr/>
+      </p:nvGrpSpPr>
+      <p:grpSpPr>
+        <a:xfrm>
+          <a:off x="0" y="0"/>
+          <a:ext cx="0" cy="0"/>
+          <a:chOff x="0" y="0"/>
+          <a:chExt cx="0" cy="0"/>
+        </a:xfrm>
+      </p:grpSpPr>
+      <p:sp>
+        <p:nvSpPr>
+          <p:cNvPr id="2" name="Text 2"/>
+          <p:cNvSpPr txBox="1"/>
+          <p:nvPr/>
+        </p:nvSpPr>
+        <p:spPr>
+          <a:xfrm>
+            <a:off x="364800" y="2682393"/>
+            <a:ext cx="6127500" cy="598500"/>
+          </a:xfrm>
+          <a:prstGeom prst="rect">
+            <a:avLst/>
+          </a:prstGeom>
+          <a:noFill/>
+        </p:spPr>
+        <p:txBody>
+          <a:bodyPr wrap="square" lIns="0" rIns="0" rtlCol="0" anchor="ctr"/>
+          <a:lstStyle/>
+          <a:p>
+            <a:pPr algn="ctr"/>
+            <a:r>
+              <a:rPr sz="3600" dirty="0">
+                <a:solidFill>
+                  <a:srgbClr val="000000"/>
+                </a:solidFill>
+                <a:latin typeface="微软雅黑" panose="020B0503020204020204" pitchFamily="34" charset="-122"/>
+              </a:rPr>
+              <a:t>PyQt5--</a:t>
+            </a:r>
+            <a:r>
+              <a:rPr sz="3600" dirty="0" err="1">
+                <a:solidFill>
+                  <a:srgbClr val="000000"/>
+                </a:solidFill>
+                <a:latin typeface="微软雅黑" panose="020B0503020204020204" pitchFamily="34" charset="-122"/>
+              </a:rPr>
+              <a:t>基本窗口控件</a:t>
+            </a:r>
+            <a:endParaRPr sz="3600" dirty="0">
+              <a:solidFill>
+                <a:srgbClr val="000000"/>
+              </a:solidFill>
+              <a:latin typeface="微软雅黑" panose="020B0503020204020204" pitchFamily="34" charset="-122"/>
+            </a:endParaRPr>
+          </a:p>
+        </p:txBody>
+      </p:sp>
+      <p:sp>
+        <p:nvSpPr>
+          <p:cNvPr id="3" name="文本框 2"/>
+          <p:cNvSpPr txBox="1"/>
+          <p:nvPr/>
+        </p:nvSpPr>
+        <p:spPr>
+          <a:xfrm>
+            <a:off x="824051" y="5116529"/>
+            <a:ext cx="5208998" cy="1137106"/>
+          </a:xfrm>
+          <a:prstGeom prst="rect">
+            <a:avLst/>
+          </a:prstGeom>
+          <a:noFill/>
+        </p:spPr>
+        <p:txBody>
+          <a:bodyPr wrap="square" rtlCol="0">
+            <a:spAutoFit/>
+          </a:bodyPr>
+          <a:lstStyle/>
+          <a:p>
+            <a:pPr algn="ctr">
+              <a:lnSpc>
+                <a:spcPct val="150000"/>
+              </a:lnSpc>
+            </a:pPr>
+            <a:r>
+              <a:rPr lang="en-US" altLang="zh-CN" sz="2400" b="1" dirty="0" smtClean="0">
+                <a:solidFill>
+                  <a:prstClr val="black"/>
+                </a:solidFill>
+              </a:rPr>
+              <a:t>3</a:t>
+            </a:r>
+            <a:r>
+              <a:rPr lang="zh-CN" altLang="en-US" sz="2400" b="1" dirty="0" smtClean="0">
+                <a:solidFill>
+                  <a:prstClr val="black"/>
+                </a:solidFill>
+              </a:rPr>
+              <a:t>组</a:t>
+            </a:r>
+            <a:endParaRPr lang="en-US" altLang="zh-CN" sz="2400" b="1" dirty="0" smtClean="0">
+              <a:solidFill>
+                <a:prstClr val="black"/>
+              </a:solidFill>
+            </a:endParaRPr>
+          </a:p>
+          <a:p>
+            <a:pPr algn="ctr">
+              <a:lnSpc>
+                <a:spcPct val="150000"/>
+              </a:lnSpc>
+            </a:pPr>
+            <a:r>
+              <a:rPr lang="zh-CN" altLang="en-US" sz="2400" b="1" dirty="0" smtClean="0">
+                <a:solidFill>
+                  <a:prstClr val="black"/>
+                </a:solidFill>
+              </a:rPr>
+              <a:t>张培良、朱世融、康健、张鹏</a:t>
+            </a:r>
+            <a:endParaRPr lang="zh-CN" altLang="en-US" sz="2400" b="1" dirty="0">
+              <a:solidFill>
+                <a:prstClr val="black"/>
+              </a:solidFill>
+            </a:endParaRPr>
+          </a:p>
+        </p:txBody>
+      </p:sp>
+    </p:spTree>
+    <p:extLst>
+      <p:ext uri="{BB962C8B-B14F-4D97-AF65-F5344CB8AC3E}">
+        <p14:creationId xmlns:p14="http://schemas.microsoft.com/office/powerpoint/2010/main" val="3071938897"/>
+      </p:ext>
+    </p:extLst>
+  </p:cSld>
+  <p:clrMapOvr>
+    <a:masterClrMapping/>
+  </p:clrMapOvr>
+</p:sld>
+</file>
+
+<file path=ppt/slides/slide8.xml><?xml version="1.0" encoding="utf-8"?>
 <p:sld xmlns:a="http://schemas.openxmlformats.org/drawingml/2006/main" xmlns:r="http://schemas.openxmlformats.org/officeDocument/2006/relationships" xmlns:p="http://schemas.openxmlformats.org/presentationml/2006/main">
   <p:cSld>
     <p:spTree>
@@ -16463,7 +17179,7 @@
 </p:sld>
 </file>
 
-<file path=ppt/slides/slide8.xml><?xml version="1.0" encoding="utf-8"?>
+<file path=ppt/slides/slide9.xml><?xml version="1.0" encoding="utf-8"?>
 <p:sld xmlns:a="http://schemas.openxmlformats.org/drawingml/2006/main" xmlns:r="http://schemas.openxmlformats.org/officeDocument/2006/relationships" xmlns:p="http://schemas.openxmlformats.org/presentationml/2006/main">
   <p:cSld>
     <p:spTree>
@@ -17892,674 +18608,6 @@
 </p:sld>
 </file>
 
-<file path=ppt/slides/slide9.xml><?xml version="1.0" encoding="utf-8"?>
-<p:sld xmlns:a="http://schemas.openxmlformats.org/drawingml/2006/main" xmlns:r="http://schemas.openxmlformats.org/officeDocument/2006/relationships" xmlns:p="http://schemas.openxmlformats.org/presentationml/2006/main">
-  <p:cSld>
-    <p:spTree>
-      <p:nvGrpSpPr>
-        <p:cNvPr id="1" name="slide4"/>
-        <p:cNvGrpSpPr/>
-        <p:nvPr/>
-      </p:nvGrpSpPr>
-      <p:grpSpPr>
-        <a:xfrm>
-          <a:off x="0" y="0"/>
-          <a:ext cx="0" cy="0"/>
-          <a:chOff x="0" y="0"/>
-          <a:chExt cx="0" cy="0"/>
-        </a:xfrm>
-      </p:grpSpPr>
-      <p:sp>
-        <p:nvSpPr>
-          <p:cNvPr id="380" name="Text 380"/>
-          <p:cNvSpPr txBox="1"/>
-          <p:nvPr/>
-        </p:nvSpPr>
-        <p:spPr>
-          <a:xfrm>
-            <a:off x="364800" y="1270556"/>
-            <a:ext cx="6127500" cy="598500"/>
-          </a:xfrm>
-          <a:prstGeom prst="rect">
-            <a:avLst/>
-          </a:prstGeom>
-          <a:noFill/>
-        </p:spPr>
-        <p:txBody>
-          <a:bodyPr wrap="square" lIns="0" rIns="0" rtlCol="0" anchor="ctr"/>
-          <a:lstStyle/>
-          <a:p>
-            <a:r>
-              <a:rPr sz="2000" dirty="0" smtClean="0">
-                <a:solidFill>
-                  <a:srgbClr val="000000"/>
-                </a:solidFill>
-              </a:rPr>
-              <a:t>4.</a:t>
-            </a:r>
-            <a:r>
-              <a:rPr lang="en-US" sz="2000" dirty="0" smtClean="0">
-                <a:solidFill>
-                  <a:srgbClr val="000000"/>
-                </a:solidFill>
-              </a:rPr>
-              <a:t>2</a:t>
-            </a:r>
-            <a:r>
-              <a:rPr sz="2000" dirty="0" smtClean="0">
-                <a:solidFill>
-                  <a:srgbClr val="000000"/>
-                </a:solidFill>
-              </a:rPr>
-              <a:t>.</a:t>
-            </a:r>
-            <a:r>
-              <a:rPr lang="en-US" sz="2000" dirty="0" smtClean="0">
-                <a:solidFill>
-                  <a:srgbClr val="000000"/>
-                </a:solidFill>
-              </a:rPr>
-              <a:t>2</a:t>
-            </a:r>
-            <a:r>
-              <a:rPr sz="2000" dirty="0" smtClean="0">
-                <a:solidFill>
-                  <a:srgbClr val="000000"/>
-                </a:solidFill>
-              </a:rPr>
-              <a:t> </a:t>
-            </a:r>
-            <a:r>
-              <a:rPr lang="zh-CN" altLang="en-US" sz="2000" dirty="0" smtClean="0">
-                <a:solidFill>
-                  <a:srgbClr val="000000"/>
-                </a:solidFill>
-              </a:rPr>
-              <a:t>常见</a:t>
-            </a:r>
-            <a:r>
-              <a:rPr lang="zh-CN" altLang="en-US" sz="2000" dirty="0">
-                <a:solidFill>
-                  <a:srgbClr val="000000"/>
-                </a:solidFill>
-              </a:rPr>
-              <a:t>的几何机构</a:t>
-            </a:r>
-            <a:endParaRPr sz="2000" dirty="0">
-              <a:solidFill>
-                <a:srgbClr val="000000"/>
-              </a:solidFill>
-            </a:endParaRPr>
-          </a:p>
-        </p:txBody>
-      </p:sp>
-      <p:sp>
-        <p:nvSpPr>
-          <p:cNvPr id="381" name="Text 381"/>
-          <p:cNvSpPr txBox="1"/>
-          <p:nvPr/>
-        </p:nvSpPr>
-        <p:spPr>
-          <a:xfrm>
-            <a:off x="508638" y="1903246"/>
-            <a:ext cx="6127500" cy="3391500"/>
-          </a:xfrm>
-          <a:prstGeom prst="rect">
-            <a:avLst/>
-          </a:prstGeom>
-          <a:noFill/>
-        </p:spPr>
-        <p:txBody>
-          <a:bodyPr wrap="square" lIns="0" rIns="0" rtlCol="0" anchor="t"/>
-          <a:lstStyle/>
-          <a:p>
-            <a:pPr>
-              <a:lnSpc>
-                <a:spcPct val="150000"/>
-              </a:lnSpc>
-            </a:pPr>
-            <a:r>
-              <a:rPr lang="zh-CN" altLang="en-US" dirty="0" smtClean="0">
-                <a:solidFill>
-                  <a:srgbClr val="000000"/>
-                </a:solidFill>
-                <a:sym typeface="Wingdings" panose="05000000000000000000" pitchFamily="2" charset="2"/>
-              </a:rPr>
-              <a:t> </a:t>
-            </a:r>
-            <a:r>
-              <a:rPr lang="zh-CN" altLang="en-US" dirty="0">
-                <a:solidFill>
-                  <a:srgbClr val="000000"/>
-                </a:solidFill>
-                <a:sym typeface="Wingdings" panose="05000000000000000000" pitchFamily="2" charset="2"/>
-              </a:rPr>
-              <a:t>几何</a:t>
-            </a:r>
-            <a:r>
-              <a:rPr lang="zh-CN" altLang="en-US" dirty="0" smtClean="0">
-                <a:solidFill>
-                  <a:srgbClr val="000000"/>
-                </a:solidFill>
-                <a:sym typeface="Wingdings" panose="05000000000000000000" pitchFamily="2" charset="2"/>
-              </a:rPr>
-              <a:t>结构的分类</a:t>
-            </a:r>
-            <a:endParaRPr lang="en-US" dirty="0" smtClean="0">
-              <a:solidFill>
-                <a:srgbClr val="000000"/>
-              </a:solidFill>
-            </a:endParaRPr>
-          </a:p>
-          <a:p>
-            <a:pPr>
-              <a:lnSpc>
-                <a:spcPct val="150000"/>
-              </a:lnSpc>
-            </a:pPr>
-            <a:r>
-              <a:rPr lang="en-US" dirty="0" smtClean="0">
-                <a:solidFill>
-                  <a:srgbClr val="000000"/>
-                </a:solidFill>
-              </a:rPr>
-              <a:t>	</a:t>
-            </a:r>
-            <a:r>
-              <a:rPr lang="zh-CN" altLang="en-US" dirty="0" smtClean="0">
-                <a:solidFill>
-                  <a:srgbClr val="000000"/>
-                </a:solidFill>
-              </a:rPr>
-              <a:t>不含边框的几何结构</a:t>
-            </a:r>
-            <a:endParaRPr lang="en-US" altLang="zh-CN" dirty="0" smtClean="0">
-              <a:solidFill>
-                <a:srgbClr val="000000"/>
-              </a:solidFill>
-            </a:endParaRPr>
-          </a:p>
-          <a:p>
-            <a:pPr>
-              <a:lnSpc>
-                <a:spcPct val="150000"/>
-              </a:lnSpc>
-            </a:pPr>
-            <a:r>
-              <a:rPr lang="en-US" altLang="zh-CN" dirty="0">
-                <a:solidFill>
-                  <a:srgbClr val="000000"/>
-                </a:solidFill>
-              </a:rPr>
-              <a:t>	</a:t>
-            </a:r>
-            <a:r>
-              <a:rPr lang="zh-CN" altLang="en-US" dirty="0">
-                <a:solidFill>
-                  <a:srgbClr val="000000"/>
-                </a:solidFill>
-              </a:rPr>
-              <a:t>含边框的几何</a:t>
-            </a:r>
-            <a:r>
-              <a:rPr lang="zh-CN" altLang="en-US" dirty="0" smtClean="0">
-                <a:solidFill>
-                  <a:srgbClr val="000000"/>
-                </a:solidFill>
-              </a:rPr>
-              <a:t>结构</a:t>
-            </a:r>
-            <a:r>
-              <a:rPr dirty="0">
-                <a:solidFill>
-                  <a:srgbClr val="000000"/>
-                </a:solidFill>
-              </a:rPr>
-              <a:t>
-</a:t>
-            </a:r>
-            <a:r>
-              <a:rPr lang="zh-CN" altLang="en-US" dirty="0">
-                <a:solidFill>
-                  <a:srgbClr val="000000"/>
-                </a:solidFill>
-                <a:sym typeface="Wingdings" panose="05000000000000000000" pitchFamily="2" charset="2"/>
-              </a:rPr>
-              <a:t>  </a:t>
-            </a:r>
-            <a:r>
-              <a:rPr lang="zh-CN" altLang="en-US" dirty="0" smtClean="0">
-                <a:solidFill>
-                  <a:srgbClr val="000000"/>
-                </a:solidFill>
-              </a:rPr>
-              <a:t>窗口设置常用的函数</a:t>
-            </a:r>
-            <a:endParaRPr lang="en-US" altLang="zh-CN" dirty="0" smtClean="0">
-              <a:solidFill>
-                <a:srgbClr val="000000"/>
-              </a:solidFill>
-            </a:endParaRPr>
-          </a:p>
-          <a:p>
-            <a:pPr>
-              <a:lnSpc>
-                <a:spcPct val="150000"/>
-              </a:lnSpc>
-            </a:pPr>
-            <a:r>
-              <a:rPr lang="en-US" altLang="zh-CN" dirty="0" smtClean="0">
-                <a:solidFill>
-                  <a:srgbClr val="000000"/>
-                </a:solidFill>
-              </a:rPr>
-              <a:t>	resize():</a:t>
-            </a:r>
-            <a:r>
-              <a:rPr lang="zh-CN" altLang="en-US" dirty="0" smtClean="0">
-                <a:solidFill>
-                  <a:srgbClr val="000000"/>
-                </a:solidFill>
-              </a:rPr>
-              <a:t>设置用户区的尺寸</a:t>
-            </a:r>
-            <a:endParaRPr lang="en-US" altLang="zh-CN" dirty="0" smtClean="0">
-              <a:solidFill>
-                <a:srgbClr val="000000"/>
-              </a:solidFill>
-            </a:endParaRPr>
-          </a:p>
-          <a:p>
-            <a:pPr>
-              <a:lnSpc>
-                <a:spcPct val="150000"/>
-              </a:lnSpc>
-            </a:pPr>
-            <a:r>
-              <a:rPr lang="en-US" altLang="zh-CN" dirty="0">
-                <a:solidFill>
-                  <a:srgbClr val="000000"/>
-                </a:solidFill>
-              </a:rPr>
-              <a:t>	</a:t>
-            </a:r>
-            <a:r>
-              <a:rPr lang="en-US" altLang="zh-CN" dirty="0" smtClean="0">
-                <a:solidFill>
-                  <a:srgbClr val="000000"/>
-                </a:solidFill>
-              </a:rPr>
-              <a:t>size():</a:t>
-            </a:r>
-            <a:r>
-              <a:rPr lang="zh-CN" altLang="en-US" dirty="0" smtClean="0">
-                <a:solidFill>
-                  <a:srgbClr val="000000"/>
-                </a:solidFill>
-              </a:rPr>
-              <a:t>获的用户区的大小</a:t>
-            </a:r>
-            <a:endParaRPr lang="en-US" altLang="zh-CN" dirty="0" smtClean="0">
-              <a:solidFill>
-                <a:srgbClr val="000000"/>
-              </a:solidFill>
-            </a:endParaRPr>
-          </a:p>
-          <a:p>
-            <a:pPr>
-              <a:lnSpc>
-                <a:spcPct val="150000"/>
-              </a:lnSpc>
-            </a:pPr>
-            <a:r>
-              <a:rPr lang="en-US" altLang="zh-CN" dirty="0">
-                <a:solidFill>
-                  <a:srgbClr val="000000"/>
-                </a:solidFill>
-              </a:rPr>
-              <a:t>	</a:t>
-            </a:r>
-            <a:r>
-              <a:rPr lang="en-US" altLang="zh-CN" dirty="0" smtClean="0">
-                <a:solidFill>
-                  <a:srgbClr val="000000"/>
-                </a:solidFill>
-              </a:rPr>
-              <a:t>move():</a:t>
-            </a:r>
-            <a:r>
-              <a:rPr lang="zh-CN" altLang="en-US" dirty="0" smtClean="0">
-                <a:solidFill>
-                  <a:srgbClr val="000000"/>
-                </a:solidFill>
-              </a:rPr>
-              <a:t>设置窗口的位置</a:t>
-            </a:r>
-            <a:endParaRPr lang="en-US" altLang="zh-CN" dirty="0" smtClean="0">
-              <a:solidFill>
-                <a:srgbClr val="000000"/>
-              </a:solidFill>
-            </a:endParaRPr>
-          </a:p>
-          <a:p>
-            <a:pPr>
-              <a:lnSpc>
-                <a:spcPct val="150000"/>
-              </a:lnSpc>
-            </a:pPr>
-            <a:r>
-              <a:rPr lang="en-US" altLang="zh-CN" dirty="0">
-                <a:solidFill>
-                  <a:srgbClr val="000000"/>
-                </a:solidFill>
-              </a:rPr>
-              <a:t>	</a:t>
-            </a:r>
-            <a:r>
-              <a:rPr lang="en-US" altLang="zh-CN" dirty="0" err="1" smtClean="0">
-                <a:solidFill>
-                  <a:srgbClr val="000000"/>
-                </a:solidFill>
-              </a:rPr>
-              <a:t>setFixedWidth</a:t>
-            </a:r>
-            <a:r>
-              <a:rPr lang="en-US" altLang="zh-CN" dirty="0" smtClean="0">
-                <a:solidFill>
-                  <a:srgbClr val="000000"/>
-                </a:solidFill>
-              </a:rPr>
-              <a:t>():</a:t>
-            </a:r>
-            <a:r>
-              <a:rPr lang="zh-CN" altLang="en-US" dirty="0" smtClean="0">
-                <a:solidFill>
-                  <a:srgbClr val="000000"/>
-                </a:solidFill>
-              </a:rPr>
-              <a:t>设置用户区为固定的宽度</a:t>
-            </a:r>
-            <a:endParaRPr lang="en-US" altLang="zh-CN" dirty="0" smtClean="0">
-              <a:solidFill>
-                <a:srgbClr val="000000"/>
-              </a:solidFill>
-            </a:endParaRPr>
-          </a:p>
-          <a:p>
-            <a:pPr>
-              <a:lnSpc>
-                <a:spcPct val="150000"/>
-              </a:lnSpc>
-            </a:pPr>
-            <a:r>
-              <a:rPr lang="en-US" altLang="zh-CN" dirty="0">
-                <a:solidFill>
-                  <a:srgbClr val="000000"/>
-                </a:solidFill>
-              </a:rPr>
-              <a:t>	</a:t>
-            </a:r>
-            <a:r>
-              <a:rPr lang="en-US" altLang="zh-CN" dirty="0" err="1" smtClean="0">
-                <a:solidFill>
-                  <a:srgbClr val="000000"/>
-                </a:solidFill>
-              </a:rPr>
-              <a:t>setFixedHeight</a:t>
-            </a:r>
-            <a:r>
-              <a:rPr lang="en-US" altLang="zh-CN" dirty="0" smtClean="0">
-                <a:solidFill>
-                  <a:srgbClr val="000000"/>
-                </a:solidFill>
-              </a:rPr>
-              <a:t>():</a:t>
-            </a:r>
-            <a:r>
-              <a:rPr lang="zh-CN" altLang="en-US" dirty="0" smtClean="0">
-                <a:solidFill>
-                  <a:srgbClr val="000000"/>
-                </a:solidFill>
-              </a:rPr>
-              <a:t>设置用户区为固定的长度</a:t>
-            </a:r>
-            <a:endParaRPr lang="en-US" altLang="zh-CN" dirty="0" smtClean="0">
-              <a:solidFill>
-                <a:srgbClr val="000000"/>
-              </a:solidFill>
-            </a:endParaRPr>
-          </a:p>
-          <a:p>
-            <a:pPr>
-              <a:lnSpc>
-                <a:spcPct val="150000"/>
-              </a:lnSpc>
-            </a:pPr>
-            <a:r>
-              <a:rPr lang="en-US" altLang="zh-CN" dirty="0">
-                <a:solidFill>
-                  <a:srgbClr val="000000"/>
-                </a:solidFill>
-              </a:rPr>
-              <a:t>	</a:t>
-            </a:r>
-            <a:r>
-              <a:rPr lang="en-US" altLang="zh-CN" dirty="0" err="1" smtClean="0">
-                <a:solidFill>
-                  <a:srgbClr val="000000"/>
-                </a:solidFill>
-              </a:rPr>
-              <a:t>setFixedSize</a:t>
-            </a:r>
-            <a:r>
-              <a:rPr lang="en-US" altLang="zh-CN" dirty="0" smtClean="0">
-                <a:solidFill>
-                  <a:srgbClr val="000000"/>
-                </a:solidFill>
-              </a:rPr>
-              <a:t>():</a:t>
-            </a:r>
-            <a:r>
-              <a:rPr lang="zh-CN" altLang="en-US" dirty="0" smtClean="0">
-                <a:solidFill>
-                  <a:srgbClr val="000000"/>
-                </a:solidFill>
-              </a:rPr>
-              <a:t>设置用户区为固定的宽度和长度</a:t>
-            </a:r>
-            <a:endParaRPr lang="en-US" altLang="zh-CN" dirty="0">
-              <a:solidFill>
-                <a:srgbClr val="000000"/>
-              </a:solidFill>
-            </a:endParaRPr>
-          </a:p>
-          <a:p>
-            <a:pPr>
-              <a:lnSpc>
-                <a:spcPct val="150000"/>
-              </a:lnSpc>
-            </a:pPr>
-            <a:r>
-              <a:rPr lang="en-US" dirty="0">
-                <a:solidFill>
-                  <a:srgbClr val="000000"/>
-                </a:solidFill>
-              </a:rPr>
-              <a:t>	</a:t>
-            </a:r>
-            <a:r>
-              <a:rPr lang="en-US" dirty="0" err="1" smtClean="0">
-                <a:solidFill>
-                  <a:srgbClr val="000000"/>
-                </a:solidFill>
-              </a:rPr>
-              <a:t>setGeometry</a:t>
-            </a:r>
-            <a:r>
-              <a:rPr lang="en-US" dirty="0" smtClean="0">
-                <a:solidFill>
-                  <a:srgbClr val="000000"/>
-                </a:solidFill>
-              </a:rPr>
-              <a:t>():</a:t>
-            </a:r>
-            <a:r>
-              <a:rPr lang="zh-CN" altLang="en-US" dirty="0" smtClean="0">
-                <a:solidFill>
-                  <a:srgbClr val="000000"/>
-                </a:solidFill>
-              </a:rPr>
-              <a:t>设置用户区的大小和位置</a:t>
-            </a:r>
-            <a:r>
-              <a:rPr dirty="0">
-                <a:solidFill>
-                  <a:srgbClr val="000000"/>
-                </a:solidFill>
-              </a:rPr>
-              <a:t>
-</a:t>
-            </a:r>
-            <a:r>
-              <a:rPr lang="zh-CN" altLang="en-US" dirty="0">
-                <a:solidFill>
-                  <a:srgbClr val="000000"/>
-                </a:solidFill>
-                <a:sym typeface="Wingdings" panose="05000000000000000000" pitchFamily="2" charset="2"/>
-              </a:rPr>
-              <a:t> </a:t>
-            </a:r>
-            <a:r>
-              <a:rPr lang="zh-CN" altLang="en-US" dirty="0" smtClean="0">
-                <a:solidFill>
-                  <a:srgbClr val="000000"/>
-                </a:solidFill>
-                <a:sym typeface="Wingdings" panose="05000000000000000000" pitchFamily="2" charset="2"/>
-              </a:rPr>
-              <a:t> </a:t>
-            </a:r>
-            <a:r>
-              <a:rPr lang="zh-CN" altLang="en-US" dirty="0" smtClean="0">
-                <a:solidFill>
-                  <a:srgbClr val="000000"/>
-                </a:solidFill>
-              </a:rPr>
-              <a:t>案例</a:t>
-            </a:r>
-            <a:r>
-              <a:rPr lang="en-US" altLang="zh-CN" dirty="0" smtClean="0">
-                <a:solidFill>
-                  <a:srgbClr val="000000"/>
-                </a:solidFill>
-              </a:rPr>
-              <a:t>4-4 </a:t>
-            </a:r>
-            <a:r>
-              <a:rPr lang="zh-CN" altLang="en-US" dirty="0" smtClean="0">
-                <a:solidFill>
-                  <a:srgbClr val="000000"/>
-                </a:solidFill>
-              </a:rPr>
-              <a:t>屏幕坐标系统显示</a:t>
-            </a:r>
-            <a:endParaRPr dirty="0">
-              <a:solidFill>
-                <a:srgbClr val="000000"/>
-              </a:solidFill>
-            </a:endParaRPr>
-          </a:p>
-        </p:txBody>
-      </p:sp>
-      <p:sp>
-        <p:nvSpPr>
-          <p:cNvPr id="5" name="Text 377"/>
-          <p:cNvSpPr txBox="1"/>
-          <p:nvPr/>
-        </p:nvSpPr>
-        <p:spPr>
-          <a:xfrm>
-            <a:off x="364800" y="637866"/>
-            <a:ext cx="6127500" cy="598500"/>
-          </a:xfrm>
-          <a:prstGeom prst="rect">
-            <a:avLst/>
-          </a:prstGeom>
-          <a:noFill/>
-        </p:spPr>
-        <p:txBody>
-          <a:bodyPr wrap="square" lIns="0" rIns="0" rtlCol="0" anchor="ctr"/>
-          <a:lstStyle/>
-          <a:p>
-            <a:pPr algn="ctr"/>
-            <a:r>
-              <a:rPr sz="2400" dirty="0" smtClean="0">
-                <a:solidFill>
-                  <a:srgbClr val="000000"/>
-                </a:solidFill>
-              </a:rPr>
-              <a:t>4.</a:t>
-            </a:r>
-            <a:r>
-              <a:rPr lang="en-US" altLang="zh-CN" sz="2400" dirty="0" smtClean="0">
-                <a:solidFill>
-                  <a:srgbClr val="000000"/>
-                </a:solidFill>
-              </a:rPr>
-              <a:t>2</a:t>
-            </a:r>
-            <a:r>
-              <a:rPr sz="2400" dirty="0" smtClean="0">
-                <a:solidFill>
-                  <a:srgbClr val="000000"/>
-                </a:solidFill>
-              </a:rPr>
-              <a:t> </a:t>
-            </a:r>
-            <a:r>
-              <a:rPr sz="2400" dirty="0" err="1" smtClean="0">
-                <a:solidFill>
-                  <a:srgbClr val="000000"/>
-                </a:solidFill>
-              </a:rPr>
-              <a:t>Q</a:t>
-            </a:r>
-            <a:r>
-              <a:rPr lang="en-US" sz="2400" dirty="0" err="1" smtClean="0">
-                <a:solidFill>
-                  <a:srgbClr val="000000"/>
-                </a:solidFill>
-              </a:rPr>
-              <a:t>W</a:t>
-            </a:r>
-            <a:r>
-              <a:rPr lang="en-US" altLang="zh-CN" sz="2400" dirty="0" err="1" smtClean="0">
-                <a:solidFill>
-                  <a:srgbClr val="000000"/>
-                </a:solidFill>
-              </a:rPr>
-              <a:t>idget</a:t>
-            </a:r>
-            <a:endParaRPr sz="2400" dirty="0">
-              <a:solidFill>
-                <a:srgbClr val="000000"/>
-              </a:solidFill>
-            </a:endParaRPr>
-          </a:p>
-        </p:txBody>
-      </p:sp>
-    </p:spTree>
-    <p:extLst>
-      <p:ext uri="{BB962C8B-B14F-4D97-AF65-F5344CB8AC3E}">
-        <p14:creationId xmlns:p14="http://schemas.microsoft.com/office/powerpoint/2010/main" val="3574484853"/>
-      </p:ext>
-    </p:extLst>
-  </p:cSld>
-  <p:clrMapOvr>
-    <a:masterClrMapping/>
-  </p:clrMapOvr>
-</p:sld>
-</file>
-
 <file path=ppt/theme/theme1.xml><?xml version="1.0" encoding="utf-8"?>
 <a:theme xmlns:a="http://schemas.openxmlformats.org/drawingml/2006/main" name="Office ����??">
   <a:themeElements>
